--- a/maps/Maps.pptx
+++ b/maps/Maps.pptx
@@ -5,7 +5,7 @@
     <p:sldMasterId id="2147483660" r:id="rId1"/>
   </p:sldMasterIdLst>
   <p:notesMasterIdLst>
-    <p:notesMasterId r:id="rId7"/>
+    <p:notesMasterId r:id="rId9"/>
   </p:notesMasterIdLst>
   <p:sldIdLst>
     <p:sldId id="349" r:id="rId2"/>
@@ -13,6 +13,8 @@
     <p:sldId id="351" r:id="rId4"/>
     <p:sldId id="352" r:id="rId5"/>
     <p:sldId id="353" r:id="rId6"/>
+    <p:sldId id="354" r:id="rId7"/>
+    <p:sldId id="355" r:id="rId8"/>
   </p:sldIdLst>
   <p:sldSz cx="14760575" cy="10321925"/>
   <p:notesSz cx="6735763" cy="9866313"/>
@@ -213,7 +215,7 @@
             <a:fld id="{8B9FDD54-8483-46EF-8740-DE596ADE0ED1}" type="datetimeFigureOut">
               <a:rPr kumimoji="1" lang="ja-JP" altLang="en-US" smtClean="0"/>
               <a:pPr/>
-              <a:t>2019/7/7</a:t>
+              <a:t>2019/7/11</a:t>
             </a:fld>
             <a:endParaRPr kumimoji="1" lang="ja-JP" altLang="en-US"/>
           </a:p>
@@ -21140,6 +21142,4146 @@
     <p:extLst>
       <p:ext uri="{BB962C8B-B14F-4D97-AF65-F5344CB8AC3E}">
         <p14:creationId xmlns:p14="http://schemas.microsoft.com/office/powerpoint/2010/main" val="4172077019"/>
+      </p:ext>
+    </p:extLst>
+  </p:cSld>
+  <p:clrMapOvr>
+    <a:masterClrMapping/>
+  </p:clrMapOvr>
+</p:sld>
+</file>
+
+<file path=ppt/slides/slide6.xml><?xml version="1.0" encoding="utf-8"?>
+<p:sld xmlns:a="http://schemas.openxmlformats.org/drawingml/2006/main" xmlns:r="http://schemas.openxmlformats.org/officeDocument/2006/relationships" xmlns:p="http://schemas.openxmlformats.org/presentationml/2006/main">
+  <p:cSld>
+    <p:spTree>
+      <p:nvGrpSpPr>
+        <p:cNvPr id="1" name=""/>
+        <p:cNvGrpSpPr/>
+        <p:nvPr/>
+      </p:nvGrpSpPr>
+      <p:grpSpPr>
+        <a:xfrm>
+          <a:off x="0" y="0"/>
+          <a:ext cx="0" cy="0"/>
+          <a:chOff x="0" y="0"/>
+          <a:chExt cx="0" cy="0"/>
+        </a:xfrm>
+      </p:grpSpPr>
+      <p:pic>
+        <p:nvPicPr>
+          <p:cNvPr id="2" name="Picture 2">
+            <a:extLst>
+              <a:ext uri="{FF2B5EF4-FFF2-40B4-BE49-F238E27FC236}">
+                <a16:creationId xmlns:a16="http://schemas.microsoft.com/office/drawing/2014/main" id="{D43CAFFE-8156-4D83-8907-3B3788199080}"/>
+              </a:ext>
+            </a:extLst>
+          </p:cNvPr>
+          <p:cNvPicPr>
+            <a:picLocks noChangeAspect="1" noChangeArrowheads="1"/>
+          </p:cNvPicPr>
+          <p:nvPr/>
+        </p:nvPicPr>
+        <p:blipFill>
+          <a:blip r:embed="rId2" cstate="print">
+            <a:extLst>
+              <a:ext uri="{BEBA8EAE-BF5A-486C-A8C5-ECC9F3942E4B}">
+                <a14:imgProps xmlns:a14="http://schemas.microsoft.com/office/drawing/2010/main">
+                  <a14:imgLayer r:embed="rId3">
+                    <a14:imgEffect>
+                      <a14:saturation sat="0"/>
+                    </a14:imgEffect>
+                  </a14:imgLayer>
+                </a14:imgProps>
+              </a:ext>
+              <a:ext uri="{28A0092B-C50C-407E-A947-70E740481C1C}">
+                <a14:useLocalDpi xmlns:a14="http://schemas.microsoft.com/office/drawing/2010/main" val="0"/>
+              </a:ext>
+            </a:extLst>
+          </a:blip>
+          <a:srcRect/>
+          <a:stretch>
+            <a:fillRect/>
+          </a:stretch>
+        </p:blipFill>
+        <p:spPr bwMode="auto">
+          <a:xfrm>
+            <a:off x="1115591" y="415563"/>
+            <a:ext cx="12529392" cy="9371528"/>
+          </a:xfrm>
+          <a:prstGeom prst="rect">
+            <a:avLst/>
+          </a:prstGeom>
+          <a:noFill/>
+          <a:ln>
+            <a:noFill/>
+          </a:ln>
+          <a:effectLst/>
+          <a:extLst>
+            <a:ext uri="{909E8E84-426E-40DD-AFC4-6F175D3DCCD1}">
+              <a14:hiddenFill xmlns:a14="http://schemas.microsoft.com/office/drawing/2010/main">
+                <a:solidFill>
+                  <a:schemeClr val="accent1"/>
+                </a:solidFill>
+              </a14:hiddenFill>
+            </a:ext>
+            <a:ext uri="{91240B29-F687-4F45-9708-019B960494DF}">
+              <a14:hiddenLine xmlns:a14="http://schemas.microsoft.com/office/drawing/2010/main" w="9525">
+                <a:solidFill>
+                  <a:schemeClr val="tx1"/>
+                </a:solidFill>
+                <a:miter lim="800000"/>
+                <a:headEnd/>
+                <a:tailEnd/>
+              </a14:hiddenLine>
+            </a:ext>
+            <a:ext uri="{AF507438-7753-43E0-B8FC-AC1667EBCBE1}">
+              <a14:hiddenEffects xmlns:a14="http://schemas.microsoft.com/office/drawing/2010/main">
+                <a:effectLst>
+                  <a:outerShdw dist="35921" dir="2700000" algn="ctr" rotWithShape="0">
+                    <a:schemeClr val="bg2"/>
+                  </a:outerShdw>
+                </a:effectLst>
+              </a14:hiddenEffects>
+            </a:ext>
+          </a:extLst>
+        </p:spPr>
+      </p:pic>
+      <p:sp>
+        <p:nvSpPr>
+          <p:cNvPr id="15" name="正方形/長方形 14">
+            <a:extLst>
+              <a:ext uri="{FF2B5EF4-FFF2-40B4-BE49-F238E27FC236}">
+                <a16:creationId xmlns:a16="http://schemas.microsoft.com/office/drawing/2014/main" id="{B77473BC-C0C9-44CC-B445-9F4464759008}"/>
+              </a:ext>
+            </a:extLst>
+          </p:cNvPr>
+          <p:cNvSpPr/>
+          <p:nvPr/>
+        </p:nvSpPr>
+        <p:spPr bwMode="auto">
+          <a:xfrm>
+            <a:off x="4355951" y="1950773"/>
+            <a:ext cx="144016" cy="307253"/>
+          </a:xfrm>
+          <a:prstGeom prst="rect">
+            <a:avLst/>
+          </a:prstGeom>
+          <a:solidFill>
+            <a:srgbClr val="92D050"/>
+          </a:solidFill>
+          <a:ln w="12700" cap="flat" cmpd="sng" algn="ctr">
+            <a:solidFill>
+              <a:schemeClr val="tx1"/>
+            </a:solidFill>
+            <a:prstDash val="solid"/>
+            <a:round/>
+            <a:headEnd type="none" w="sm" len="sm"/>
+            <a:tailEnd type="none" w="sm" len="sm"/>
+          </a:ln>
+          <a:effectLst/>
+        </p:spPr>
+        <p:txBody>
+          <a:bodyPr vert="horz" wrap="square" lIns="91440" tIns="45720" rIns="91440" bIns="45720" numCol="1" rtlCol="0" anchor="t" anchorCtr="0" compatLnSpc="1">
+            <a:prstTxWarp prst="textNoShape">
+              <a:avLst/>
+            </a:prstTxWarp>
+          </a:bodyPr>
+          <a:lstStyle/>
+          <a:p>
+            <a:pPr marL="0" marR="0" indent="0" algn="l" defTabSz="914400" rtl="0" eaLnBrk="0" fontAlgn="base" latinLnBrk="0" hangingPunct="0">
+              <a:lnSpc>
+                <a:spcPct val="100000"/>
+              </a:lnSpc>
+              <a:spcBef>
+                <a:spcPct val="0"/>
+              </a:spcBef>
+              <a:spcAft>
+                <a:spcPct val="0"/>
+              </a:spcAft>
+              <a:buClrTx/>
+              <a:buSzTx/>
+              <a:buFontTx/>
+              <a:buNone/>
+              <a:tabLst/>
+            </a:pPr>
+            <a:endParaRPr kumimoji="1" lang="ja-JP" altLang="en-US" sz="1200" b="0" i="0" u="none" strike="noStrike" cap="none" normalizeH="0" baseline="0">
+              <a:ln>
+                <a:noFill/>
+              </a:ln>
+              <a:solidFill>
+                <a:schemeClr val="tx1"/>
+              </a:solidFill>
+              <a:effectLst/>
+              <a:latin typeface="ＭＳ Ｐゴシック" charset="-128"/>
+              <a:ea typeface="ＭＳ Ｐゴシック" charset="-128"/>
+            </a:endParaRPr>
+          </a:p>
+        </p:txBody>
+      </p:sp>
+      <p:sp>
+        <p:nvSpPr>
+          <p:cNvPr id="16" name="正方形/長方形 15">
+            <a:extLst>
+              <a:ext uri="{FF2B5EF4-FFF2-40B4-BE49-F238E27FC236}">
+                <a16:creationId xmlns:a16="http://schemas.microsoft.com/office/drawing/2014/main" id="{6546E8EF-B876-4725-887E-586A7FBF5947}"/>
+              </a:ext>
+            </a:extLst>
+          </p:cNvPr>
+          <p:cNvSpPr/>
+          <p:nvPr/>
+        </p:nvSpPr>
+        <p:spPr bwMode="auto">
+          <a:xfrm>
+            <a:off x="4350410" y="5604225"/>
+            <a:ext cx="144016" cy="307253"/>
+          </a:xfrm>
+          <a:prstGeom prst="rect">
+            <a:avLst/>
+          </a:prstGeom>
+          <a:solidFill>
+            <a:srgbClr val="92D050"/>
+          </a:solidFill>
+          <a:ln w="12700" cap="flat" cmpd="sng" algn="ctr">
+            <a:solidFill>
+              <a:schemeClr val="tx1"/>
+            </a:solidFill>
+            <a:prstDash val="solid"/>
+            <a:round/>
+            <a:headEnd type="none" w="sm" len="sm"/>
+            <a:tailEnd type="none" w="sm" len="sm"/>
+          </a:ln>
+          <a:effectLst/>
+        </p:spPr>
+        <p:txBody>
+          <a:bodyPr vert="horz" wrap="square" lIns="91440" tIns="45720" rIns="91440" bIns="45720" numCol="1" rtlCol="0" anchor="t" anchorCtr="0" compatLnSpc="1">
+            <a:prstTxWarp prst="textNoShape">
+              <a:avLst/>
+            </a:prstTxWarp>
+          </a:bodyPr>
+          <a:lstStyle/>
+          <a:p>
+            <a:pPr marL="0" marR="0" indent="0" algn="l" defTabSz="914400" rtl="0" eaLnBrk="0" fontAlgn="base" latinLnBrk="0" hangingPunct="0">
+              <a:lnSpc>
+                <a:spcPct val="100000"/>
+              </a:lnSpc>
+              <a:spcBef>
+                <a:spcPct val="0"/>
+              </a:spcBef>
+              <a:spcAft>
+                <a:spcPct val="0"/>
+              </a:spcAft>
+              <a:buClrTx/>
+              <a:buSzTx/>
+              <a:buFontTx/>
+              <a:buNone/>
+              <a:tabLst/>
+            </a:pPr>
+            <a:endParaRPr kumimoji="1" lang="ja-JP" altLang="en-US" sz="1200" b="0" i="0" u="none" strike="noStrike" cap="none" normalizeH="0" baseline="0">
+              <a:ln>
+                <a:noFill/>
+              </a:ln>
+              <a:solidFill>
+                <a:schemeClr val="tx1"/>
+              </a:solidFill>
+              <a:effectLst/>
+              <a:latin typeface="ＭＳ Ｐゴシック" charset="-128"/>
+              <a:ea typeface="ＭＳ Ｐゴシック" charset="-128"/>
+            </a:endParaRPr>
+          </a:p>
+        </p:txBody>
+      </p:sp>
+      <p:sp>
+        <p:nvSpPr>
+          <p:cNvPr id="17" name="正方形/長方形 16">
+            <a:extLst>
+              <a:ext uri="{FF2B5EF4-FFF2-40B4-BE49-F238E27FC236}">
+                <a16:creationId xmlns:a16="http://schemas.microsoft.com/office/drawing/2014/main" id="{144279D5-9CE6-49FB-9DAE-645735F8F215}"/>
+              </a:ext>
+            </a:extLst>
+          </p:cNvPr>
+          <p:cNvSpPr/>
+          <p:nvPr/>
+        </p:nvSpPr>
+        <p:spPr bwMode="auto">
+          <a:xfrm>
+            <a:off x="4350410" y="7906877"/>
+            <a:ext cx="144016" cy="307253"/>
+          </a:xfrm>
+          <a:prstGeom prst="rect">
+            <a:avLst/>
+          </a:prstGeom>
+          <a:solidFill>
+            <a:srgbClr val="92D050"/>
+          </a:solidFill>
+          <a:ln w="12700" cap="flat" cmpd="sng" algn="ctr">
+            <a:solidFill>
+              <a:schemeClr val="tx1"/>
+            </a:solidFill>
+            <a:prstDash val="solid"/>
+            <a:round/>
+            <a:headEnd type="none" w="sm" len="sm"/>
+            <a:tailEnd type="none" w="sm" len="sm"/>
+          </a:ln>
+          <a:effectLst/>
+        </p:spPr>
+        <p:txBody>
+          <a:bodyPr vert="horz" wrap="square" lIns="91440" tIns="45720" rIns="91440" bIns="45720" numCol="1" rtlCol="0" anchor="t" anchorCtr="0" compatLnSpc="1">
+            <a:prstTxWarp prst="textNoShape">
+              <a:avLst/>
+            </a:prstTxWarp>
+          </a:bodyPr>
+          <a:lstStyle/>
+          <a:p>
+            <a:pPr marL="0" marR="0" indent="0" algn="l" defTabSz="914400" rtl="0" eaLnBrk="0" fontAlgn="base" latinLnBrk="0" hangingPunct="0">
+              <a:lnSpc>
+                <a:spcPct val="100000"/>
+              </a:lnSpc>
+              <a:spcBef>
+                <a:spcPct val="0"/>
+              </a:spcBef>
+              <a:spcAft>
+                <a:spcPct val="0"/>
+              </a:spcAft>
+              <a:buClrTx/>
+              <a:buSzTx/>
+              <a:buFontTx/>
+              <a:buNone/>
+              <a:tabLst/>
+            </a:pPr>
+            <a:endParaRPr kumimoji="1" lang="ja-JP" altLang="en-US" sz="1200" b="0" i="0" u="none" strike="noStrike" cap="none" normalizeH="0" baseline="0">
+              <a:ln>
+                <a:noFill/>
+              </a:ln>
+              <a:solidFill>
+                <a:schemeClr val="tx1"/>
+              </a:solidFill>
+              <a:effectLst/>
+              <a:latin typeface="ＭＳ Ｐゴシック" charset="-128"/>
+              <a:ea typeface="ＭＳ Ｐゴシック" charset="-128"/>
+            </a:endParaRPr>
+          </a:p>
+        </p:txBody>
+      </p:sp>
+      <p:sp>
+        <p:nvSpPr>
+          <p:cNvPr id="18" name="正方形/長方形 17">
+            <a:extLst>
+              <a:ext uri="{FF2B5EF4-FFF2-40B4-BE49-F238E27FC236}">
+                <a16:creationId xmlns:a16="http://schemas.microsoft.com/office/drawing/2014/main" id="{9AFC029E-7AD4-4C4B-95D6-934604A47F42}"/>
+              </a:ext>
+            </a:extLst>
+          </p:cNvPr>
+          <p:cNvSpPr/>
+          <p:nvPr/>
+        </p:nvSpPr>
+        <p:spPr bwMode="auto">
+          <a:xfrm>
+            <a:off x="10354703" y="1950773"/>
+            <a:ext cx="144016" cy="307253"/>
+          </a:xfrm>
+          <a:prstGeom prst="rect">
+            <a:avLst/>
+          </a:prstGeom>
+          <a:solidFill>
+            <a:srgbClr val="92D050"/>
+          </a:solidFill>
+          <a:ln w="12700" cap="flat" cmpd="sng" algn="ctr">
+            <a:solidFill>
+              <a:schemeClr val="tx1"/>
+            </a:solidFill>
+            <a:prstDash val="solid"/>
+            <a:round/>
+            <a:headEnd type="none" w="sm" len="sm"/>
+            <a:tailEnd type="none" w="sm" len="sm"/>
+          </a:ln>
+          <a:effectLst/>
+        </p:spPr>
+        <p:txBody>
+          <a:bodyPr vert="horz" wrap="square" lIns="91440" tIns="45720" rIns="91440" bIns="45720" numCol="1" rtlCol="0" anchor="t" anchorCtr="0" compatLnSpc="1">
+            <a:prstTxWarp prst="textNoShape">
+              <a:avLst/>
+            </a:prstTxWarp>
+          </a:bodyPr>
+          <a:lstStyle/>
+          <a:p>
+            <a:pPr marL="0" marR="0" indent="0" algn="l" defTabSz="914400" rtl="0" eaLnBrk="0" fontAlgn="base" latinLnBrk="0" hangingPunct="0">
+              <a:lnSpc>
+                <a:spcPct val="100000"/>
+              </a:lnSpc>
+              <a:spcBef>
+                <a:spcPct val="0"/>
+              </a:spcBef>
+              <a:spcAft>
+                <a:spcPct val="0"/>
+              </a:spcAft>
+              <a:buClrTx/>
+              <a:buSzTx/>
+              <a:buFontTx/>
+              <a:buNone/>
+              <a:tabLst/>
+            </a:pPr>
+            <a:endParaRPr kumimoji="1" lang="ja-JP" altLang="en-US" sz="1200" b="0" i="0" u="none" strike="noStrike" cap="none" normalizeH="0" baseline="0">
+              <a:ln>
+                <a:noFill/>
+              </a:ln>
+              <a:solidFill>
+                <a:schemeClr val="tx1"/>
+              </a:solidFill>
+              <a:effectLst/>
+              <a:latin typeface="ＭＳ Ｐゴシック" charset="-128"/>
+              <a:ea typeface="ＭＳ Ｐゴシック" charset="-128"/>
+            </a:endParaRPr>
+          </a:p>
+        </p:txBody>
+      </p:sp>
+      <p:sp>
+        <p:nvSpPr>
+          <p:cNvPr id="19" name="正方形/長方形 18">
+            <a:extLst>
+              <a:ext uri="{FF2B5EF4-FFF2-40B4-BE49-F238E27FC236}">
+                <a16:creationId xmlns:a16="http://schemas.microsoft.com/office/drawing/2014/main" id="{930B42E8-71EE-453B-8506-EC836A75923A}"/>
+              </a:ext>
+            </a:extLst>
+          </p:cNvPr>
+          <p:cNvSpPr/>
+          <p:nvPr/>
+        </p:nvSpPr>
+        <p:spPr bwMode="auto">
+          <a:xfrm>
+            <a:off x="10354703" y="5604224"/>
+            <a:ext cx="144016" cy="307253"/>
+          </a:xfrm>
+          <a:prstGeom prst="rect">
+            <a:avLst/>
+          </a:prstGeom>
+          <a:solidFill>
+            <a:srgbClr val="92D050"/>
+          </a:solidFill>
+          <a:ln w="12700" cap="flat" cmpd="sng" algn="ctr">
+            <a:solidFill>
+              <a:schemeClr val="tx1"/>
+            </a:solidFill>
+            <a:prstDash val="solid"/>
+            <a:round/>
+            <a:headEnd type="none" w="sm" len="sm"/>
+            <a:tailEnd type="none" w="sm" len="sm"/>
+          </a:ln>
+          <a:effectLst/>
+        </p:spPr>
+        <p:txBody>
+          <a:bodyPr vert="horz" wrap="square" lIns="91440" tIns="45720" rIns="91440" bIns="45720" numCol="1" rtlCol="0" anchor="t" anchorCtr="0" compatLnSpc="1">
+            <a:prstTxWarp prst="textNoShape">
+              <a:avLst/>
+            </a:prstTxWarp>
+          </a:bodyPr>
+          <a:lstStyle/>
+          <a:p>
+            <a:pPr marL="0" marR="0" indent="0" algn="l" defTabSz="914400" rtl="0" eaLnBrk="0" fontAlgn="base" latinLnBrk="0" hangingPunct="0">
+              <a:lnSpc>
+                <a:spcPct val="100000"/>
+              </a:lnSpc>
+              <a:spcBef>
+                <a:spcPct val="0"/>
+              </a:spcBef>
+              <a:spcAft>
+                <a:spcPct val="0"/>
+              </a:spcAft>
+              <a:buClrTx/>
+              <a:buSzTx/>
+              <a:buFontTx/>
+              <a:buNone/>
+              <a:tabLst/>
+            </a:pPr>
+            <a:endParaRPr kumimoji="1" lang="ja-JP" altLang="en-US" sz="1200" b="0" i="0" u="none" strike="noStrike" cap="none" normalizeH="0" baseline="0">
+              <a:ln>
+                <a:noFill/>
+              </a:ln>
+              <a:solidFill>
+                <a:schemeClr val="tx1"/>
+              </a:solidFill>
+              <a:effectLst/>
+              <a:latin typeface="ＭＳ Ｐゴシック" charset="-128"/>
+              <a:ea typeface="ＭＳ Ｐゴシック" charset="-128"/>
+            </a:endParaRPr>
+          </a:p>
+        </p:txBody>
+      </p:sp>
+      <p:sp>
+        <p:nvSpPr>
+          <p:cNvPr id="20" name="正方形/長方形 19">
+            <a:extLst>
+              <a:ext uri="{FF2B5EF4-FFF2-40B4-BE49-F238E27FC236}">
+                <a16:creationId xmlns:a16="http://schemas.microsoft.com/office/drawing/2014/main" id="{60415589-DF37-48D0-AADA-356837D578A8}"/>
+              </a:ext>
+            </a:extLst>
+          </p:cNvPr>
+          <p:cNvSpPr/>
+          <p:nvPr/>
+        </p:nvSpPr>
+        <p:spPr bwMode="auto">
+          <a:xfrm>
+            <a:off x="10350195" y="7906876"/>
+            <a:ext cx="144016" cy="307253"/>
+          </a:xfrm>
+          <a:prstGeom prst="rect">
+            <a:avLst/>
+          </a:prstGeom>
+          <a:solidFill>
+            <a:srgbClr val="92D050"/>
+          </a:solidFill>
+          <a:ln w="12700" cap="flat" cmpd="sng" algn="ctr">
+            <a:solidFill>
+              <a:schemeClr val="tx1"/>
+            </a:solidFill>
+            <a:prstDash val="solid"/>
+            <a:round/>
+            <a:headEnd type="none" w="sm" len="sm"/>
+            <a:tailEnd type="none" w="sm" len="sm"/>
+          </a:ln>
+          <a:effectLst/>
+        </p:spPr>
+        <p:txBody>
+          <a:bodyPr vert="horz" wrap="square" lIns="91440" tIns="45720" rIns="91440" bIns="45720" numCol="1" rtlCol="0" anchor="t" anchorCtr="0" compatLnSpc="1">
+            <a:prstTxWarp prst="textNoShape">
+              <a:avLst/>
+            </a:prstTxWarp>
+          </a:bodyPr>
+          <a:lstStyle/>
+          <a:p>
+            <a:pPr marL="0" marR="0" indent="0" algn="l" defTabSz="914400" rtl="0" eaLnBrk="0" fontAlgn="base" latinLnBrk="0" hangingPunct="0">
+              <a:lnSpc>
+                <a:spcPct val="100000"/>
+              </a:lnSpc>
+              <a:spcBef>
+                <a:spcPct val="0"/>
+              </a:spcBef>
+              <a:spcAft>
+                <a:spcPct val="0"/>
+              </a:spcAft>
+              <a:buClrTx/>
+              <a:buSzTx/>
+              <a:buFontTx/>
+              <a:buNone/>
+              <a:tabLst/>
+            </a:pPr>
+            <a:endParaRPr kumimoji="1" lang="ja-JP" altLang="en-US" sz="1200" b="0" i="0" u="none" strike="noStrike" cap="none" normalizeH="0" baseline="0">
+              <a:ln>
+                <a:noFill/>
+              </a:ln>
+              <a:solidFill>
+                <a:schemeClr val="tx1"/>
+              </a:solidFill>
+              <a:effectLst/>
+              <a:latin typeface="ＭＳ Ｐゴシック" charset="-128"/>
+              <a:ea typeface="ＭＳ Ｐゴシック" charset="-128"/>
+            </a:endParaRPr>
+          </a:p>
+        </p:txBody>
+      </p:sp>
+      <p:sp>
+        <p:nvSpPr>
+          <p:cNvPr id="21" name="正方形/長方形 20">
+            <a:extLst>
+              <a:ext uri="{FF2B5EF4-FFF2-40B4-BE49-F238E27FC236}">
+                <a16:creationId xmlns:a16="http://schemas.microsoft.com/office/drawing/2014/main" id="{2F0073D1-3A45-447F-A02C-E13943D0A4F7}"/>
+              </a:ext>
+            </a:extLst>
+          </p:cNvPr>
+          <p:cNvSpPr/>
+          <p:nvPr/>
+        </p:nvSpPr>
+        <p:spPr bwMode="auto">
+          <a:xfrm>
+            <a:off x="5220047" y="2640682"/>
+            <a:ext cx="144016" cy="307253"/>
+          </a:xfrm>
+          <a:prstGeom prst="rect">
+            <a:avLst/>
+          </a:prstGeom>
+          <a:solidFill>
+            <a:srgbClr val="92D050"/>
+          </a:solidFill>
+          <a:ln w="12700" cap="flat" cmpd="sng" algn="ctr">
+            <a:solidFill>
+              <a:schemeClr val="tx1"/>
+            </a:solidFill>
+            <a:prstDash val="solid"/>
+            <a:round/>
+            <a:headEnd type="none" w="sm" len="sm"/>
+            <a:tailEnd type="none" w="sm" len="sm"/>
+          </a:ln>
+          <a:effectLst/>
+        </p:spPr>
+        <p:txBody>
+          <a:bodyPr vert="horz" wrap="square" lIns="91440" tIns="45720" rIns="91440" bIns="45720" numCol="1" rtlCol="0" anchor="t" anchorCtr="0" compatLnSpc="1">
+            <a:prstTxWarp prst="textNoShape">
+              <a:avLst/>
+            </a:prstTxWarp>
+          </a:bodyPr>
+          <a:lstStyle/>
+          <a:p>
+            <a:pPr marL="0" marR="0" indent="0" algn="l" defTabSz="914400" rtl="0" eaLnBrk="0" fontAlgn="base" latinLnBrk="0" hangingPunct="0">
+              <a:lnSpc>
+                <a:spcPct val="100000"/>
+              </a:lnSpc>
+              <a:spcBef>
+                <a:spcPct val="0"/>
+              </a:spcBef>
+              <a:spcAft>
+                <a:spcPct val="0"/>
+              </a:spcAft>
+              <a:buClrTx/>
+              <a:buSzTx/>
+              <a:buFontTx/>
+              <a:buNone/>
+              <a:tabLst/>
+            </a:pPr>
+            <a:endParaRPr kumimoji="1" lang="ja-JP" altLang="en-US" sz="1200" b="0" i="0" u="none" strike="noStrike" cap="none" normalizeH="0" baseline="0">
+              <a:ln>
+                <a:noFill/>
+              </a:ln>
+              <a:solidFill>
+                <a:schemeClr val="tx1"/>
+              </a:solidFill>
+              <a:effectLst/>
+              <a:latin typeface="ＭＳ Ｐゴシック" charset="-128"/>
+              <a:ea typeface="ＭＳ Ｐゴシック" charset="-128"/>
+            </a:endParaRPr>
+          </a:p>
+        </p:txBody>
+      </p:sp>
+      <p:sp>
+        <p:nvSpPr>
+          <p:cNvPr id="22" name="正方形/長方形 21">
+            <a:extLst>
+              <a:ext uri="{FF2B5EF4-FFF2-40B4-BE49-F238E27FC236}">
+                <a16:creationId xmlns:a16="http://schemas.microsoft.com/office/drawing/2014/main" id="{5DE6E145-627F-4FD5-B7A2-41BFC5F4282E}"/>
+              </a:ext>
+            </a:extLst>
+          </p:cNvPr>
+          <p:cNvSpPr/>
+          <p:nvPr/>
+        </p:nvSpPr>
+        <p:spPr bwMode="auto">
+          <a:xfrm>
+            <a:off x="6660207" y="2640681"/>
+            <a:ext cx="144016" cy="307253"/>
+          </a:xfrm>
+          <a:prstGeom prst="rect">
+            <a:avLst/>
+          </a:prstGeom>
+          <a:solidFill>
+            <a:srgbClr val="92D050"/>
+          </a:solidFill>
+          <a:ln w="12700" cap="flat" cmpd="sng" algn="ctr">
+            <a:solidFill>
+              <a:schemeClr val="tx1"/>
+            </a:solidFill>
+            <a:prstDash val="solid"/>
+            <a:round/>
+            <a:headEnd type="none" w="sm" len="sm"/>
+            <a:tailEnd type="none" w="sm" len="sm"/>
+          </a:ln>
+          <a:effectLst/>
+        </p:spPr>
+        <p:txBody>
+          <a:bodyPr vert="horz" wrap="square" lIns="91440" tIns="45720" rIns="91440" bIns="45720" numCol="1" rtlCol="0" anchor="t" anchorCtr="0" compatLnSpc="1">
+            <a:prstTxWarp prst="textNoShape">
+              <a:avLst/>
+            </a:prstTxWarp>
+          </a:bodyPr>
+          <a:lstStyle/>
+          <a:p>
+            <a:pPr marL="0" marR="0" indent="0" algn="l" defTabSz="914400" rtl="0" eaLnBrk="0" fontAlgn="base" latinLnBrk="0" hangingPunct="0">
+              <a:lnSpc>
+                <a:spcPct val="100000"/>
+              </a:lnSpc>
+              <a:spcBef>
+                <a:spcPct val="0"/>
+              </a:spcBef>
+              <a:spcAft>
+                <a:spcPct val="0"/>
+              </a:spcAft>
+              <a:buClrTx/>
+              <a:buSzTx/>
+              <a:buFontTx/>
+              <a:buNone/>
+              <a:tabLst/>
+            </a:pPr>
+            <a:endParaRPr kumimoji="1" lang="ja-JP" altLang="en-US" sz="1200" b="0" i="0" u="none" strike="noStrike" cap="none" normalizeH="0" baseline="0">
+              <a:ln>
+                <a:noFill/>
+              </a:ln>
+              <a:solidFill>
+                <a:schemeClr val="tx1"/>
+              </a:solidFill>
+              <a:effectLst/>
+              <a:latin typeface="ＭＳ Ｐゴシック" charset="-128"/>
+              <a:ea typeface="ＭＳ Ｐゴシック" charset="-128"/>
+            </a:endParaRPr>
+          </a:p>
+        </p:txBody>
+      </p:sp>
+      <p:sp>
+        <p:nvSpPr>
+          <p:cNvPr id="23" name="正方形/長方形 22">
+            <a:extLst>
+              <a:ext uri="{FF2B5EF4-FFF2-40B4-BE49-F238E27FC236}">
+                <a16:creationId xmlns:a16="http://schemas.microsoft.com/office/drawing/2014/main" id="{268D8179-AD4E-46CB-8021-6D6D899C2895}"/>
+              </a:ext>
+            </a:extLst>
+          </p:cNvPr>
+          <p:cNvSpPr/>
+          <p:nvPr/>
+        </p:nvSpPr>
+        <p:spPr bwMode="auto">
+          <a:xfrm>
+            <a:off x="8100367" y="2646632"/>
+            <a:ext cx="144016" cy="307253"/>
+          </a:xfrm>
+          <a:prstGeom prst="rect">
+            <a:avLst/>
+          </a:prstGeom>
+          <a:solidFill>
+            <a:srgbClr val="92D050"/>
+          </a:solidFill>
+          <a:ln w="12700" cap="flat" cmpd="sng" algn="ctr">
+            <a:solidFill>
+              <a:schemeClr val="tx1"/>
+            </a:solidFill>
+            <a:prstDash val="solid"/>
+            <a:round/>
+            <a:headEnd type="none" w="sm" len="sm"/>
+            <a:tailEnd type="none" w="sm" len="sm"/>
+          </a:ln>
+          <a:effectLst/>
+        </p:spPr>
+        <p:txBody>
+          <a:bodyPr vert="horz" wrap="square" lIns="91440" tIns="45720" rIns="91440" bIns="45720" numCol="1" rtlCol="0" anchor="t" anchorCtr="0" compatLnSpc="1">
+            <a:prstTxWarp prst="textNoShape">
+              <a:avLst/>
+            </a:prstTxWarp>
+          </a:bodyPr>
+          <a:lstStyle/>
+          <a:p>
+            <a:pPr marL="0" marR="0" indent="0" algn="l" defTabSz="914400" rtl="0" eaLnBrk="0" fontAlgn="base" latinLnBrk="0" hangingPunct="0">
+              <a:lnSpc>
+                <a:spcPct val="100000"/>
+              </a:lnSpc>
+              <a:spcBef>
+                <a:spcPct val="0"/>
+              </a:spcBef>
+              <a:spcAft>
+                <a:spcPct val="0"/>
+              </a:spcAft>
+              <a:buClrTx/>
+              <a:buSzTx/>
+              <a:buFontTx/>
+              <a:buNone/>
+              <a:tabLst/>
+            </a:pPr>
+            <a:endParaRPr kumimoji="1" lang="ja-JP" altLang="en-US" sz="1200" b="0" i="0" u="none" strike="noStrike" cap="none" normalizeH="0" baseline="0">
+              <a:ln>
+                <a:noFill/>
+              </a:ln>
+              <a:solidFill>
+                <a:schemeClr val="tx1"/>
+              </a:solidFill>
+              <a:effectLst/>
+              <a:latin typeface="ＭＳ Ｐゴシック" charset="-128"/>
+              <a:ea typeface="ＭＳ Ｐゴシック" charset="-128"/>
+            </a:endParaRPr>
+          </a:p>
+        </p:txBody>
+      </p:sp>
+      <p:sp>
+        <p:nvSpPr>
+          <p:cNvPr id="24" name="正方形/長方形 23">
+            <a:extLst>
+              <a:ext uri="{FF2B5EF4-FFF2-40B4-BE49-F238E27FC236}">
+                <a16:creationId xmlns:a16="http://schemas.microsoft.com/office/drawing/2014/main" id="{09C67B18-DC46-4065-9F04-5E7FE621D074}"/>
+              </a:ext>
+            </a:extLst>
+          </p:cNvPr>
+          <p:cNvSpPr/>
+          <p:nvPr/>
+        </p:nvSpPr>
+        <p:spPr bwMode="auto">
+          <a:xfrm>
+            <a:off x="9540527" y="2652031"/>
+            <a:ext cx="144016" cy="307253"/>
+          </a:xfrm>
+          <a:prstGeom prst="rect">
+            <a:avLst/>
+          </a:prstGeom>
+          <a:solidFill>
+            <a:srgbClr val="92D050"/>
+          </a:solidFill>
+          <a:ln w="12700" cap="flat" cmpd="sng" algn="ctr">
+            <a:solidFill>
+              <a:schemeClr val="tx1"/>
+            </a:solidFill>
+            <a:prstDash val="solid"/>
+            <a:round/>
+            <a:headEnd type="none" w="sm" len="sm"/>
+            <a:tailEnd type="none" w="sm" len="sm"/>
+          </a:ln>
+          <a:effectLst/>
+        </p:spPr>
+        <p:txBody>
+          <a:bodyPr vert="horz" wrap="square" lIns="91440" tIns="45720" rIns="91440" bIns="45720" numCol="1" rtlCol="0" anchor="t" anchorCtr="0" compatLnSpc="1">
+            <a:prstTxWarp prst="textNoShape">
+              <a:avLst/>
+            </a:prstTxWarp>
+          </a:bodyPr>
+          <a:lstStyle/>
+          <a:p>
+            <a:pPr marL="0" marR="0" indent="0" algn="l" defTabSz="914400" rtl="0" eaLnBrk="0" fontAlgn="base" latinLnBrk="0" hangingPunct="0">
+              <a:lnSpc>
+                <a:spcPct val="100000"/>
+              </a:lnSpc>
+              <a:spcBef>
+                <a:spcPct val="0"/>
+              </a:spcBef>
+              <a:spcAft>
+                <a:spcPct val="0"/>
+              </a:spcAft>
+              <a:buClrTx/>
+              <a:buSzTx/>
+              <a:buFontTx/>
+              <a:buNone/>
+              <a:tabLst/>
+            </a:pPr>
+            <a:endParaRPr kumimoji="1" lang="ja-JP" altLang="en-US" sz="1200" b="0" i="0" u="none" strike="noStrike" cap="none" normalizeH="0" baseline="0">
+              <a:ln>
+                <a:noFill/>
+              </a:ln>
+              <a:solidFill>
+                <a:schemeClr val="tx1"/>
+              </a:solidFill>
+              <a:effectLst/>
+              <a:latin typeface="ＭＳ Ｐゴシック" charset="-128"/>
+              <a:ea typeface="ＭＳ Ｐゴシック" charset="-128"/>
+            </a:endParaRPr>
+          </a:p>
+        </p:txBody>
+      </p:sp>
+      <p:sp>
+        <p:nvSpPr>
+          <p:cNvPr id="25" name="正方形/長方形 24">
+            <a:extLst>
+              <a:ext uri="{FF2B5EF4-FFF2-40B4-BE49-F238E27FC236}">
+                <a16:creationId xmlns:a16="http://schemas.microsoft.com/office/drawing/2014/main" id="{B2FE79D3-9356-4579-97A0-3F42D30D75DB}"/>
+              </a:ext>
+            </a:extLst>
+          </p:cNvPr>
+          <p:cNvSpPr/>
+          <p:nvPr/>
+        </p:nvSpPr>
+        <p:spPr bwMode="auto">
+          <a:xfrm>
+            <a:off x="5220047" y="6883204"/>
+            <a:ext cx="144016" cy="307253"/>
+          </a:xfrm>
+          <a:prstGeom prst="rect">
+            <a:avLst/>
+          </a:prstGeom>
+          <a:solidFill>
+            <a:srgbClr val="92D050"/>
+          </a:solidFill>
+          <a:ln w="12700" cap="flat" cmpd="sng" algn="ctr">
+            <a:solidFill>
+              <a:schemeClr val="tx1"/>
+            </a:solidFill>
+            <a:prstDash val="solid"/>
+            <a:round/>
+            <a:headEnd type="none" w="sm" len="sm"/>
+            <a:tailEnd type="none" w="sm" len="sm"/>
+          </a:ln>
+          <a:effectLst/>
+        </p:spPr>
+        <p:txBody>
+          <a:bodyPr vert="horz" wrap="square" lIns="91440" tIns="45720" rIns="91440" bIns="45720" numCol="1" rtlCol="0" anchor="t" anchorCtr="0" compatLnSpc="1">
+            <a:prstTxWarp prst="textNoShape">
+              <a:avLst/>
+            </a:prstTxWarp>
+          </a:bodyPr>
+          <a:lstStyle/>
+          <a:p>
+            <a:pPr marL="0" marR="0" indent="0" algn="l" defTabSz="914400" rtl="0" eaLnBrk="0" fontAlgn="base" latinLnBrk="0" hangingPunct="0">
+              <a:lnSpc>
+                <a:spcPct val="100000"/>
+              </a:lnSpc>
+              <a:spcBef>
+                <a:spcPct val="0"/>
+              </a:spcBef>
+              <a:spcAft>
+                <a:spcPct val="0"/>
+              </a:spcAft>
+              <a:buClrTx/>
+              <a:buSzTx/>
+              <a:buFontTx/>
+              <a:buNone/>
+              <a:tabLst/>
+            </a:pPr>
+            <a:endParaRPr kumimoji="1" lang="ja-JP" altLang="en-US" sz="1200" b="0" i="0" u="none" strike="noStrike" cap="none" normalizeH="0" baseline="0">
+              <a:ln>
+                <a:noFill/>
+              </a:ln>
+              <a:solidFill>
+                <a:schemeClr val="tx1"/>
+              </a:solidFill>
+              <a:effectLst/>
+              <a:latin typeface="ＭＳ Ｐゴシック" charset="-128"/>
+              <a:ea typeface="ＭＳ Ｐゴシック" charset="-128"/>
+            </a:endParaRPr>
+          </a:p>
+        </p:txBody>
+      </p:sp>
+      <p:sp>
+        <p:nvSpPr>
+          <p:cNvPr id="26" name="正方形/長方形 25">
+            <a:extLst>
+              <a:ext uri="{FF2B5EF4-FFF2-40B4-BE49-F238E27FC236}">
+                <a16:creationId xmlns:a16="http://schemas.microsoft.com/office/drawing/2014/main" id="{D428BD3C-80F1-4116-AE36-F32F5613BB8C}"/>
+              </a:ext>
+            </a:extLst>
+          </p:cNvPr>
+          <p:cNvSpPr/>
+          <p:nvPr/>
+        </p:nvSpPr>
+        <p:spPr bwMode="auto">
+          <a:xfrm>
+            <a:off x="6660207" y="6883203"/>
+            <a:ext cx="144016" cy="307253"/>
+          </a:xfrm>
+          <a:prstGeom prst="rect">
+            <a:avLst/>
+          </a:prstGeom>
+          <a:solidFill>
+            <a:srgbClr val="92D050"/>
+          </a:solidFill>
+          <a:ln w="12700" cap="flat" cmpd="sng" algn="ctr">
+            <a:solidFill>
+              <a:schemeClr val="tx1"/>
+            </a:solidFill>
+            <a:prstDash val="solid"/>
+            <a:round/>
+            <a:headEnd type="none" w="sm" len="sm"/>
+            <a:tailEnd type="none" w="sm" len="sm"/>
+          </a:ln>
+          <a:effectLst/>
+        </p:spPr>
+        <p:txBody>
+          <a:bodyPr vert="horz" wrap="square" lIns="91440" tIns="45720" rIns="91440" bIns="45720" numCol="1" rtlCol="0" anchor="t" anchorCtr="0" compatLnSpc="1">
+            <a:prstTxWarp prst="textNoShape">
+              <a:avLst/>
+            </a:prstTxWarp>
+          </a:bodyPr>
+          <a:lstStyle/>
+          <a:p>
+            <a:pPr marL="0" marR="0" indent="0" algn="l" defTabSz="914400" rtl="0" eaLnBrk="0" fontAlgn="base" latinLnBrk="0" hangingPunct="0">
+              <a:lnSpc>
+                <a:spcPct val="100000"/>
+              </a:lnSpc>
+              <a:spcBef>
+                <a:spcPct val="0"/>
+              </a:spcBef>
+              <a:spcAft>
+                <a:spcPct val="0"/>
+              </a:spcAft>
+              <a:buClrTx/>
+              <a:buSzTx/>
+              <a:buFontTx/>
+              <a:buNone/>
+              <a:tabLst/>
+            </a:pPr>
+            <a:endParaRPr kumimoji="1" lang="ja-JP" altLang="en-US" sz="1200" b="0" i="0" u="none" strike="noStrike" cap="none" normalizeH="0" baseline="0">
+              <a:ln>
+                <a:noFill/>
+              </a:ln>
+              <a:solidFill>
+                <a:schemeClr val="tx1"/>
+              </a:solidFill>
+              <a:effectLst/>
+              <a:latin typeface="ＭＳ Ｐゴシック" charset="-128"/>
+              <a:ea typeface="ＭＳ Ｐゴシック" charset="-128"/>
+            </a:endParaRPr>
+          </a:p>
+        </p:txBody>
+      </p:sp>
+      <p:sp>
+        <p:nvSpPr>
+          <p:cNvPr id="27" name="正方形/長方形 26">
+            <a:extLst>
+              <a:ext uri="{FF2B5EF4-FFF2-40B4-BE49-F238E27FC236}">
+                <a16:creationId xmlns:a16="http://schemas.microsoft.com/office/drawing/2014/main" id="{A4FA0ED1-DA4B-4547-BBB3-83BAF38826B8}"/>
+              </a:ext>
+            </a:extLst>
+          </p:cNvPr>
+          <p:cNvSpPr/>
+          <p:nvPr/>
+        </p:nvSpPr>
+        <p:spPr bwMode="auto">
+          <a:xfrm>
+            <a:off x="8100367" y="6889154"/>
+            <a:ext cx="144016" cy="307253"/>
+          </a:xfrm>
+          <a:prstGeom prst="rect">
+            <a:avLst/>
+          </a:prstGeom>
+          <a:solidFill>
+            <a:srgbClr val="92D050"/>
+          </a:solidFill>
+          <a:ln w="12700" cap="flat" cmpd="sng" algn="ctr">
+            <a:solidFill>
+              <a:schemeClr val="tx1"/>
+            </a:solidFill>
+            <a:prstDash val="solid"/>
+            <a:round/>
+            <a:headEnd type="none" w="sm" len="sm"/>
+            <a:tailEnd type="none" w="sm" len="sm"/>
+          </a:ln>
+          <a:effectLst/>
+        </p:spPr>
+        <p:txBody>
+          <a:bodyPr vert="horz" wrap="square" lIns="91440" tIns="45720" rIns="91440" bIns="45720" numCol="1" rtlCol="0" anchor="t" anchorCtr="0" compatLnSpc="1">
+            <a:prstTxWarp prst="textNoShape">
+              <a:avLst/>
+            </a:prstTxWarp>
+          </a:bodyPr>
+          <a:lstStyle/>
+          <a:p>
+            <a:pPr marL="0" marR="0" indent="0" algn="l" defTabSz="914400" rtl="0" eaLnBrk="0" fontAlgn="base" latinLnBrk="0" hangingPunct="0">
+              <a:lnSpc>
+                <a:spcPct val="100000"/>
+              </a:lnSpc>
+              <a:spcBef>
+                <a:spcPct val="0"/>
+              </a:spcBef>
+              <a:spcAft>
+                <a:spcPct val="0"/>
+              </a:spcAft>
+              <a:buClrTx/>
+              <a:buSzTx/>
+              <a:buFontTx/>
+              <a:buNone/>
+              <a:tabLst/>
+            </a:pPr>
+            <a:endParaRPr kumimoji="1" lang="ja-JP" altLang="en-US" sz="1200" b="0" i="0" u="none" strike="noStrike" cap="none" normalizeH="0" baseline="0">
+              <a:ln>
+                <a:noFill/>
+              </a:ln>
+              <a:solidFill>
+                <a:schemeClr val="tx1"/>
+              </a:solidFill>
+              <a:effectLst/>
+              <a:latin typeface="ＭＳ Ｐゴシック" charset="-128"/>
+              <a:ea typeface="ＭＳ Ｐゴシック" charset="-128"/>
+            </a:endParaRPr>
+          </a:p>
+        </p:txBody>
+      </p:sp>
+      <p:sp>
+        <p:nvSpPr>
+          <p:cNvPr id="28" name="正方形/長方形 27">
+            <a:extLst>
+              <a:ext uri="{FF2B5EF4-FFF2-40B4-BE49-F238E27FC236}">
+                <a16:creationId xmlns:a16="http://schemas.microsoft.com/office/drawing/2014/main" id="{DF32AE9B-FAD3-48D4-9650-C24C10193C83}"/>
+              </a:ext>
+            </a:extLst>
+          </p:cNvPr>
+          <p:cNvSpPr/>
+          <p:nvPr/>
+        </p:nvSpPr>
+        <p:spPr bwMode="auto">
+          <a:xfrm>
+            <a:off x="9540527" y="6894553"/>
+            <a:ext cx="144016" cy="307253"/>
+          </a:xfrm>
+          <a:prstGeom prst="rect">
+            <a:avLst/>
+          </a:prstGeom>
+          <a:solidFill>
+            <a:srgbClr val="92D050"/>
+          </a:solidFill>
+          <a:ln w="12700" cap="flat" cmpd="sng" algn="ctr">
+            <a:solidFill>
+              <a:schemeClr val="tx1"/>
+            </a:solidFill>
+            <a:prstDash val="solid"/>
+            <a:round/>
+            <a:headEnd type="none" w="sm" len="sm"/>
+            <a:tailEnd type="none" w="sm" len="sm"/>
+          </a:ln>
+          <a:effectLst/>
+        </p:spPr>
+        <p:txBody>
+          <a:bodyPr vert="horz" wrap="square" lIns="91440" tIns="45720" rIns="91440" bIns="45720" numCol="1" rtlCol="0" anchor="t" anchorCtr="0" compatLnSpc="1">
+            <a:prstTxWarp prst="textNoShape">
+              <a:avLst/>
+            </a:prstTxWarp>
+          </a:bodyPr>
+          <a:lstStyle/>
+          <a:p>
+            <a:pPr marL="0" marR="0" indent="0" algn="l" defTabSz="914400" rtl="0" eaLnBrk="0" fontAlgn="base" latinLnBrk="0" hangingPunct="0">
+              <a:lnSpc>
+                <a:spcPct val="100000"/>
+              </a:lnSpc>
+              <a:spcBef>
+                <a:spcPct val="0"/>
+              </a:spcBef>
+              <a:spcAft>
+                <a:spcPct val="0"/>
+              </a:spcAft>
+              <a:buClrTx/>
+              <a:buSzTx/>
+              <a:buFontTx/>
+              <a:buNone/>
+              <a:tabLst/>
+            </a:pPr>
+            <a:endParaRPr kumimoji="1" lang="ja-JP" altLang="en-US" sz="1200" b="0" i="0" u="none" strike="noStrike" cap="none" normalizeH="0" baseline="0">
+              <a:ln>
+                <a:noFill/>
+              </a:ln>
+              <a:solidFill>
+                <a:schemeClr val="tx1"/>
+              </a:solidFill>
+              <a:effectLst/>
+              <a:latin typeface="ＭＳ Ｐゴシック" charset="-128"/>
+              <a:ea typeface="ＭＳ Ｐゴシック" charset="-128"/>
+            </a:endParaRPr>
+          </a:p>
+        </p:txBody>
+      </p:sp>
+      <p:sp>
+        <p:nvSpPr>
+          <p:cNvPr id="29" name="部分円 28">
+            <a:extLst>
+              <a:ext uri="{FF2B5EF4-FFF2-40B4-BE49-F238E27FC236}">
+                <a16:creationId xmlns:a16="http://schemas.microsoft.com/office/drawing/2014/main" id="{01E11D06-9425-4C32-924D-87F95834FEC1}"/>
+              </a:ext>
+            </a:extLst>
+          </p:cNvPr>
+          <p:cNvSpPr/>
+          <p:nvPr/>
+        </p:nvSpPr>
+        <p:spPr bwMode="auto">
+          <a:xfrm>
+            <a:off x="2400245" y="3989429"/>
+            <a:ext cx="3899514" cy="3532300"/>
+          </a:xfrm>
+          <a:prstGeom prst="pie">
+            <a:avLst>
+              <a:gd name="adj1" fmla="val 8016166"/>
+              <a:gd name="adj2" fmla="val 13776984"/>
+            </a:avLst>
+          </a:prstGeom>
+          <a:noFill/>
+          <a:ln w="12700" cap="flat" cmpd="sng" algn="ctr">
+            <a:solidFill>
+              <a:schemeClr val="tx1"/>
+            </a:solidFill>
+            <a:prstDash val="solid"/>
+            <a:round/>
+            <a:headEnd type="none" w="sm" len="sm"/>
+            <a:tailEnd type="none" w="sm" len="sm"/>
+          </a:ln>
+          <a:effectLst/>
+        </p:spPr>
+        <p:txBody>
+          <a:bodyPr vert="horz" wrap="square" lIns="91440" tIns="45720" rIns="91440" bIns="45720" numCol="1" rtlCol="0" anchor="t" anchorCtr="0" compatLnSpc="1">
+            <a:prstTxWarp prst="textNoShape">
+              <a:avLst/>
+            </a:prstTxWarp>
+          </a:bodyPr>
+          <a:lstStyle/>
+          <a:p>
+            <a:pPr marL="0" marR="0" indent="0" algn="l" defTabSz="914400" rtl="0" eaLnBrk="0" fontAlgn="base" latinLnBrk="0" hangingPunct="0">
+              <a:lnSpc>
+                <a:spcPct val="100000"/>
+              </a:lnSpc>
+              <a:spcBef>
+                <a:spcPct val="0"/>
+              </a:spcBef>
+              <a:spcAft>
+                <a:spcPct val="0"/>
+              </a:spcAft>
+              <a:buClrTx/>
+              <a:buSzTx/>
+              <a:buFontTx/>
+              <a:buNone/>
+              <a:tabLst/>
+            </a:pPr>
+            <a:endParaRPr kumimoji="1" lang="ja-JP" altLang="en-US" sz="1200" b="0" i="0" u="none" strike="noStrike" cap="none" normalizeH="0" baseline="0">
+              <a:ln>
+                <a:noFill/>
+              </a:ln>
+              <a:solidFill>
+                <a:schemeClr val="tx1"/>
+              </a:solidFill>
+              <a:effectLst/>
+              <a:latin typeface="ＭＳ Ｐゴシック" charset="-128"/>
+              <a:ea typeface="ＭＳ Ｐゴシック" charset="-128"/>
+            </a:endParaRPr>
+          </a:p>
+        </p:txBody>
+      </p:sp>
+      <p:sp>
+        <p:nvSpPr>
+          <p:cNvPr id="30" name="部分円 29">
+            <a:extLst>
+              <a:ext uri="{FF2B5EF4-FFF2-40B4-BE49-F238E27FC236}">
+                <a16:creationId xmlns:a16="http://schemas.microsoft.com/office/drawing/2014/main" id="{9D6B1B45-A8CE-4CFA-8A8A-A8AF9F64E6F9}"/>
+              </a:ext>
+            </a:extLst>
+          </p:cNvPr>
+          <p:cNvSpPr/>
+          <p:nvPr/>
+        </p:nvSpPr>
+        <p:spPr bwMode="auto">
+          <a:xfrm>
+            <a:off x="2382749" y="6294352"/>
+            <a:ext cx="3899514" cy="3532300"/>
+          </a:xfrm>
+          <a:prstGeom prst="pie">
+            <a:avLst>
+              <a:gd name="adj1" fmla="val 8016166"/>
+              <a:gd name="adj2" fmla="val 13776984"/>
+            </a:avLst>
+          </a:prstGeom>
+          <a:noFill/>
+          <a:ln w="12700" cap="flat" cmpd="sng" algn="ctr">
+            <a:solidFill>
+              <a:schemeClr val="tx1"/>
+            </a:solidFill>
+            <a:prstDash val="solid"/>
+            <a:round/>
+            <a:headEnd type="none" w="sm" len="sm"/>
+            <a:tailEnd type="none" w="sm" len="sm"/>
+          </a:ln>
+          <a:effectLst/>
+        </p:spPr>
+        <p:txBody>
+          <a:bodyPr vert="horz" wrap="square" lIns="91440" tIns="45720" rIns="91440" bIns="45720" numCol="1" rtlCol="0" anchor="t" anchorCtr="0" compatLnSpc="1">
+            <a:prstTxWarp prst="textNoShape">
+              <a:avLst/>
+            </a:prstTxWarp>
+          </a:bodyPr>
+          <a:lstStyle/>
+          <a:p>
+            <a:pPr marL="0" marR="0" indent="0" algn="l" defTabSz="914400" rtl="0" eaLnBrk="0" fontAlgn="base" latinLnBrk="0" hangingPunct="0">
+              <a:lnSpc>
+                <a:spcPct val="100000"/>
+              </a:lnSpc>
+              <a:spcBef>
+                <a:spcPct val="0"/>
+              </a:spcBef>
+              <a:spcAft>
+                <a:spcPct val="0"/>
+              </a:spcAft>
+              <a:buClrTx/>
+              <a:buSzTx/>
+              <a:buFontTx/>
+              <a:buNone/>
+              <a:tabLst/>
+            </a:pPr>
+            <a:endParaRPr kumimoji="1" lang="ja-JP" altLang="en-US" sz="1200" b="0" i="0" u="none" strike="noStrike" cap="none" normalizeH="0" baseline="0">
+              <a:ln>
+                <a:noFill/>
+              </a:ln>
+              <a:solidFill>
+                <a:schemeClr val="tx1"/>
+              </a:solidFill>
+              <a:effectLst/>
+              <a:latin typeface="ＭＳ Ｐゴシック" charset="-128"/>
+              <a:ea typeface="ＭＳ Ｐゴシック" charset="-128"/>
+            </a:endParaRPr>
+          </a:p>
+        </p:txBody>
+      </p:sp>
+      <p:sp>
+        <p:nvSpPr>
+          <p:cNvPr id="31" name="部分円 30">
+            <a:extLst>
+              <a:ext uri="{FF2B5EF4-FFF2-40B4-BE49-F238E27FC236}">
+                <a16:creationId xmlns:a16="http://schemas.microsoft.com/office/drawing/2014/main" id="{B15D6658-C437-47AA-897A-9E929DDA85BF}"/>
+              </a:ext>
+            </a:extLst>
+          </p:cNvPr>
+          <p:cNvSpPr/>
+          <p:nvPr/>
+        </p:nvSpPr>
+        <p:spPr bwMode="auto">
+          <a:xfrm rot="10800000">
+            <a:off x="8566982" y="3985293"/>
+            <a:ext cx="3899514" cy="3532300"/>
+          </a:xfrm>
+          <a:prstGeom prst="pie">
+            <a:avLst>
+              <a:gd name="adj1" fmla="val 8016166"/>
+              <a:gd name="adj2" fmla="val 13776984"/>
+            </a:avLst>
+          </a:prstGeom>
+          <a:noFill/>
+          <a:ln w="12700" cap="flat" cmpd="sng" algn="ctr">
+            <a:solidFill>
+              <a:schemeClr val="tx1"/>
+            </a:solidFill>
+            <a:prstDash val="solid"/>
+            <a:round/>
+            <a:headEnd type="none" w="sm" len="sm"/>
+            <a:tailEnd type="none" w="sm" len="sm"/>
+          </a:ln>
+          <a:effectLst/>
+        </p:spPr>
+        <p:txBody>
+          <a:bodyPr vert="horz" wrap="square" lIns="91440" tIns="45720" rIns="91440" bIns="45720" numCol="1" rtlCol="0" anchor="t" anchorCtr="0" compatLnSpc="1">
+            <a:prstTxWarp prst="textNoShape">
+              <a:avLst/>
+            </a:prstTxWarp>
+          </a:bodyPr>
+          <a:lstStyle/>
+          <a:p>
+            <a:pPr marL="0" marR="0" indent="0" algn="l" defTabSz="914400" rtl="0" eaLnBrk="0" fontAlgn="base" latinLnBrk="0" hangingPunct="0">
+              <a:lnSpc>
+                <a:spcPct val="100000"/>
+              </a:lnSpc>
+              <a:spcBef>
+                <a:spcPct val="0"/>
+              </a:spcBef>
+              <a:spcAft>
+                <a:spcPct val="0"/>
+              </a:spcAft>
+              <a:buClrTx/>
+              <a:buSzTx/>
+              <a:buFontTx/>
+              <a:buNone/>
+              <a:tabLst/>
+            </a:pPr>
+            <a:endParaRPr kumimoji="1" lang="ja-JP" altLang="en-US" sz="1200" b="0" i="0" u="none" strike="noStrike" cap="none" normalizeH="0" baseline="0">
+              <a:ln>
+                <a:noFill/>
+              </a:ln>
+              <a:solidFill>
+                <a:schemeClr val="tx1"/>
+              </a:solidFill>
+              <a:effectLst/>
+              <a:latin typeface="ＭＳ Ｐゴシック" charset="-128"/>
+              <a:ea typeface="ＭＳ Ｐゴシック" charset="-128"/>
+            </a:endParaRPr>
+          </a:p>
+        </p:txBody>
+      </p:sp>
+      <p:sp>
+        <p:nvSpPr>
+          <p:cNvPr id="32" name="部分円 31">
+            <a:extLst>
+              <a:ext uri="{FF2B5EF4-FFF2-40B4-BE49-F238E27FC236}">
+                <a16:creationId xmlns:a16="http://schemas.microsoft.com/office/drawing/2014/main" id="{872D0015-9E7C-4CCB-B178-CD83D3DB4E0E}"/>
+              </a:ext>
+            </a:extLst>
+          </p:cNvPr>
+          <p:cNvSpPr/>
+          <p:nvPr/>
+        </p:nvSpPr>
+        <p:spPr bwMode="auto">
+          <a:xfrm rot="10800000">
+            <a:off x="8561441" y="6254791"/>
+            <a:ext cx="3899514" cy="3532300"/>
+          </a:xfrm>
+          <a:prstGeom prst="pie">
+            <a:avLst>
+              <a:gd name="adj1" fmla="val 8016166"/>
+              <a:gd name="adj2" fmla="val 13776984"/>
+            </a:avLst>
+          </a:prstGeom>
+          <a:noFill/>
+          <a:ln w="12700" cap="flat" cmpd="sng" algn="ctr">
+            <a:solidFill>
+              <a:schemeClr val="tx1"/>
+            </a:solidFill>
+            <a:prstDash val="solid"/>
+            <a:round/>
+            <a:headEnd type="none" w="sm" len="sm"/>
+            <a:tailEnd type="none" w="sm" len="sm"/>
+          </a:ln>
+          <a:effectLst/>
+        </p:spPr>
+        <p:txBody>
+          <a:bodyPr vert="horz" wrap="square" lIns="91440" tIns="45720" rIns="91440" bIns="45720" numCol="1" rtlCol="0" anchor="t" anchorCtr="0" compatLnSpc="1">
+            <a:prstTxWarp prst="textNoShape">
+              <a:avLst/>
+            </a:prstTxWarp>
+          </a:bodyPr>
+          <a:lstStyle/>
+          <a:p>
+            <a:pPr marL="0" marR="0" indent="0" algn="l" defTabSz="914400" rtl="0" eaLnBrk="0" fontAlgn="base" latinLnBrk="0" hangingPunct="0">
+              <a:lnSpc>
+                <a:spcPct val="100000"/>
+              </a:lnSpc>
+              <a:spcBef>
+                <a:spcPct val="0"/>
+              </a:spcBef>
+              <a:spcAft>
+                <a:spcPct val="0"/>
+              </a:spcAft>
+              <a:buClrTx/>
+              <a:buSzTx/>
+              <a:buFontTx/>
+              <a:buNone/>
+              <a:tabLst/>
+            </a:pPr>
+            <a:endParaRPr kumimoji="1" lang="ja-JP" altLang="en-US" sz="1200" b="0" i="0" u="none" strike="noStrike" cap="none" normalizeH="0" baseline="0">
+              <a:ln>
+                <a:noFill/>
+              </a:ln>
+              <a:solidFill>
+                <a:schemeClr val="tx1"/>
+              </a:solidFill>
+              <a:effectLst/>
+              <a:latin typeface="ＭＳ Ｐゴシック" charset="-128"/>
+              <a:ea typeface="ＭＳ Ｐゴシック" charset="-128"/>
+            </a:endParaRPr>
+          </a:p>
+        </p:txBody>
+      </p:sp>
+      <p:sp>
+        <p:nvSpPr>
+          <p:cNvPr id="33" name="楕円 32">
+            <a:extLst>
+              <a:ext uri="{FF2B5EF4-FFF2-40B4-BE49-F238E27FC236}">
+                <a16:creationId xmlns:a16="http://schemas.microsoft.com/office/drawing/2014/main" id="{A1568C69-0413-4750-8B8C-01BB004EC412}"/>
+              </a:ext>
+            </a:extLst>
+          </p:cNvPr>
+          <p:cNvSpPr/>
+          <p:nvPr/>
+        </p:nvSpPr>
+        <p:spPr bwMode="auto">
+          <a:xfrm>
+            <a:off x="4017721" y="1560308"/>
+            <a:ext cx="2548668" cy="2490698"/>
+          </a:xfrm>
+          <a:prstGeom prst="ellipse">
+            <a:avLst/>
+          </a:prstGeom>
+          <a:noFill/>
+          <a:ln w="12700" cap="flat" cmpd="sng" algn="ctr">
+            <a:solidFill>
+              <a:schemeClr val="tx1"/>
+            </a:solidFill>
+            <a:prstDash val="solid"/>
+            <a:round/>
+            <a:headEnd type="none" w="sm" len="sm"/>
+            <a:tailEnd type="none" w="sm" len="sm"/>
+          </a:ln>
+          <a:effectLst/>
+        </p:spPr>
+        <p:txBody>
+          <a:bodyPr vert="horz" wrap="square" lIns="91440" tIns="45720" rIns="91440" bIns="45720" numCol="1" rtlCol="0" anchor="t" anchorCtr="0" compatLnSpc="1">
+            <a:prstTxWarp prst="textNoShape">
+              <a:avLst/>
+            </a:prstTxWarp>
+          </a:bodyPr>
+          <a:lstStyle/>
+          <a:p>
+            <a:pPr marL="0" marR="0" indent="0" algn="l" defTabSz="914400" rtl="0" eaLnBrk="0" fontAlgn="base" latinLnBrk="0" hangingPunct="0">
+              <a:lnSpc>
+                <a:spcPct val="100000"/>
+              </a:lnSpc>
+              <a:spcBef>
+                <a:spcPct val="0"/>
+              </a:spcBef>
+              <a:spcAft>
+                <a:spcPct val="0"/>
+              </a:spcAft>
+              <a:buClrTx/>
+              <a:buSzTx/>
+              <a:buFontTx/>
+              <a:buNone/>
+              <a:tabLst/>
+            </a:pPr>
+            <a:endParaRPr kumimoji="1" lang="ja-JP" altLang="en-US" sz="1200" b="0" i="0" u="none" strike="noStrike" cap="none" normalizeH="0" baseline="0">
+              <a:ln>
+                <a:noFill/>
+              </a:ln>
+              <a:solidFill>
+                <a:schemeClr val="tx1"/>
+              </a:solidFill>
+              <a:effectLst/>
+              <a:latin typeface="ＭＳ Ｐゴシック" charset="-128"/>
+              <a:ea typeface="ＭＳ Ｐゴシック" charset="-128"/>
+            </a:endParaRPr>
+          </a:p>
+        </p:txBody>
+      </p:sp>
+      <p:sp>
+        <p:nvSpPr>
+          <p:cNvPr id="34" name="楕円 33">
+            <a:extLst>
+              <a:ext uri="{FF2B5EF4-FFF2-40B4-BE49-F238E27FC236}">
+                <a16:creationId xmlns:a16="http://schemas.microsoft.com/office/drawing/2014/main" id="{051E89D0-83ED-4505-A6B8-BADBF2349D3B}"/>
+              </a:ext>
+            </a:extLst>
+          </p:cNvPr>
+          <p:cNvSpPr/>
+          <p:nvPr/>
+        </p:nvSpPr>
+        <p:spPr bwMode="auto">
+          <a:xfrm>
+            <a:off x="5457881" y="1548958"/>
+            <a:ext cx="2548668" cy="2490698"/>
+          </a:xfrm>
+          <a:prstGeom prst="ellipse">
+            <a:avLst/>
+          </a:prstGeom>
+          <a:noFill/>
+          <a:ln w="12700" cap="flat" cmpd="sng" algn="ctr">
+            <a:solidFill>
+              <a:schemeClr val="tx1"/>
+            </a:solidFill>
+            <a:prstDash val="solid"/>
+            <a:round/>
+            <a:headEnd type="none" w="sm" len="sm"/>
+            <a:tailEnd type="none" w="sm" len="sm"/>
+          </a:ln>
+          <a:effectLst/>
+        </p:spPr>
+        <p:txBody>
+          <a:bodyPr vert="horz" wrap="square" lIns="91440" tIns="45720" rIns="91440" bIns="45720" numCol="1" rtlCol="0" anchor="t" anchorCtr="0" compatLnSpc="1">
+            <a:prstTxWarp prst="textNoShape">
+              <a:avLst/>
+            </a:prstTxWarp>
+          </a:bodyPr>
+          <a:lstStyle/>
+          <a:p>
+            <a:pPr marL="0" marR="0" indent="0" algn="l" defTabSz="914400" rtl="0" eaLnBrk="0" fontAlgn="base" latinLnBrk="0" hangingPunct="0">
+              <a:lnSpc>
+                <a:spcPct val="100000"/>
+              </a:lnSpc>
+              <a:spcBef>
+                <a:spcPct val="0"/>
+              </a:spcBef>
+              <a:spcAft>
+                <a:spcPct val="0"/>
+              </a:spcAft>
+              <a:buClrTx/>
+              <a:buSzTx/>
+              <a:buFontTx/>
+              <a:buNone/>
+              <a:tabLst/>
+            </a:pPr>
+            <a:endParaRPr kumimoji="1" lang="ja-JP" altLang="en-US" sz="1200" b="0" i="0" u="none" strike="noStrike" cap="none" normalizeH="0" baseline="0">
+              <a:ln>
+                <a:noFill/>
+              </a:ln>
+              <a:solidFill>
+                <a:schemeClr val="tx1"/>
+              </a:solidFill>
+              <a:effectLst/>
+              <a:latin typeface="ＭＳ Ｐゴシック" charset="-128"/>
+              <a:ea typeface="ＭＳ Ｐゴシック" charset="-128"/>
+            </a:endParaRPr>
+          </a:p>
+        </p:txBody>
+      </p:sp>
+      <p:sp>
+        <p:nvSpPr>
+          <p:cNvPr id="35" name="楕円 34">
+            <a:extLst>
+              <a:ext uri="{FF2B5EF4-FFF2-40B4-BE49-F238E27FC236}">
+                <a16:creationId xmlns:a16="http://schemas.microsoft.com/office/drawing/2014/main" id="{A3890DE9-D136-4445-B29C-FA66D16182A7}"/>
+              </a:ext>
+            </a:extLst>
+          </p:cNvPr>
+          <p:cNvSpPr/>
+          <p:nvPr/>
+        </p:nvSpPr>
+        <p:spPr bwMode="auto">
+          <a:xfrm>
+            <a:off x="6900451" y="1563968"/>
+            <a:ext cx="2548668" cy="2490698"/>
+          </a:xfrm>
+          <a:prstGeom prst="ellipse">
+            <a:avLst/>
+          </a:prstGeom>
+          <a:noFill/>
+          <a:ln w="12700" cap="flat" cmpd="sng" algn="ctr">
+            <a:solidFill>
+              <a:schemeClr val="tx1"/>
+            </a:solidFill>
+            <a:prstDash val="solid"/>
+            <a:round/>
+            <a:headEnd type="none" w="sm" len="sm"/>
+            <a:tailEnd type="none" w="sm" len="sm"/>
+          </a:ln>
+          <a:effectLst/>
+        </p:spPr>
+        <p:txBody>
+          <a:bodyPr vert="horz" wrap="square" lIns="91440" tIns="45720" rIns="91440" bIns="45720" numCol="1" rtlCol="0" anchor="t" anchorCtr="0" compatLnSpc="1">
+            <a:prstTxWarp prst="textNoShape">
+              <a:avLst/>
+            </a:prstTxWarp>
+          </a:bodyPr>
+          <a:lstStyle/>
+          <a:p>
+            <a:pPr marL="0" marR="0" indent="0" algn="l" defTabSz="914400" rtl="0" eaLnBrk="0" fontAlgn="base" latinLnBrk="0" hangingPunct="0">
+              <a:lnSpc>
+                <a:spcPct val="100000"/>
+              </a:lnSpc>
+              <a:spcBef>
+                <a:spcPct val="0"/>
+              </a:spcBef>
+              <a:spcAft>
+                <a:spcPct val="0"/>
+              </a:spcAft>
+              <a:buClrTx/>
+              <a:buSzTx/>
+              <a:buFontTx/>
+              <a:buNone/>
+              <a:tabLst/>
+            </a:pPr>
+            <a:endParaRPr kumimoji="1" lang="ja-JP" altLang="en-US" sz="1200" b="0" i="0" u="none" strike="noStrike" cap="none" normalizeH="0" baseline="0">
+              <a:ln>
+                <a:noFill/>
+              </a:ln>
+              <a:solidFill>
+                <a:schemeClr val="tx1"/>
+              </a:solidFill>
+              <a:effectLst/>
+              <a:latin typeface="ＭＳ Ｐゴシック" charset="-128"/>
+              <a:ea typeface="ＭＳ Ｐゴシック" charset="-128"/>
+            </a:endParaRPr>
+          </a:p>
+        </p:txBody>
+      </p:sp>
+      <p:sp>
+        <p:nvSpPr>
+          <p:cNvPr id="36" name="楕円 35">
+            <a:extLst>
+              <a:ext uri="{FF2B5EF4-FFF2-40B4-BE49-F238E27FC236}">
+                <a16:creationId xmlns:a16="http://schemas.microsoft.com/office/drawing/2014/main" id="{0A45FADB-1E5B-49D0-956F-0028358183DA}"/>
+              </a:ext>
+            </a:extLst>
+          </p:cNvPr>
+          <p:cNvSpPr/>
+          <p:nvPr/>
+        </p:nvSpPr>
+        <p:spPr bwMode="auto">
+          <a:xfrm>
+            <a:off x="8266193" y="1555575"/>
+            <a:ext cx="2548668" cy="2490698"/>
+          </a:xfrm>
+          <a:prstGeom prst="ellipse">
+            <a:avLst/>
+          </a:prstGeom>
+          <a:noFill/>
+          <a:ln w="12700" cap="flat" cmpd="sng" algn="ctr">
+            <a:solidFill>
+              <a:schemeClr val="tx1"/>
+            </a:solidFill>
+            <a:prstDash val="solid"/>
+            <a:round/>
+            <a:headEnd type="none" w="sm" len="sm"/>
+            <a:tailEnd type="none" w="sm" len="sm"/>
+          </a:ln>
+          <a:effectLst/>
+        </p:spPr>
+        <p:txBody>
+          <a:bodyPr vert="horz" wrap="square" lIns="91440" tIns="45720" rIns="91440" bIns="45720" numCol="1" rtlCol="0" anchor="t" anchorCtr="0" compatLnSpc="1">
+            <a:prstTxWarp prst="textNoShape">
+              <a:avLst/>
+            </a:prstTxWarp>
+          </a:bodyPr>
+          <a:lstStyle/>
+          <a:p>
+            <a:pPr marL="0" marR="0" indent="0" algn="l" defTabSz="914400" rtl="0" eaLnBrk="0" fontAlgn="base" latinLnBrk="0" hangingPunct="0">
+              <a:lnSpc>
+                <a:spcPct val="100000"/>
+              </a:lnSpc>
+              <a:spcBef>
+                <a:spcPct val="0"/>
+              </a:spcBef>
+              <a:spcAft>
+                <a:spcPct val="0"/>
+              </a:spcAft>
+              <a:buClrTx/>
+              <a:buSzTx/>
+              <a:buFontTx/>
+              <a:buNone/>
+              <a:tabLst/>
+            </a:pPr>
+            <a:endParaRPr kumimoji="1" lang="ja-JP" altLang="en-US" sz="1200" b="0" i="0" u="none" strike="noStrike" cap="none" normalizeH="0" baseline="0">
+              <a:ln>
+                <a:noFill/>
+              </a:ln>
+              <a:solidFill>
+                <a:schemeClr val="tx1"/>
+              </a:solidFill>
+              <a:effectLst/>
+              <a:latin typeface="ＭＳ Ｐゴシック" charset="-128"/>
+              <a:ea typeface="ＭＳ Ｐゴシック" charset="-128"/>
+            </a:endParaRPr>
+          </a:p>
+        </p:txBody>
+      </p:sp>
+      <p:sp>
+        <p:nvSpPr>
+          <p:cNvPr id="37" name="楕円 36">
+            <a:extLst>
+              <a:ext uri="{FF2B5EF4-FFF2-40B4-BE49-F238E27FC236}">
+                <a16:creationId xmlns:a16="http://schemas.microsoft.com/office/drawing/2014/main" id="{B701FCE4-CBA2-46FA-ACBE-A811FE8C6A1C}"/>
+              </a:ext>
+            </a:extLst>
+          </p:cNvPr>
+          <p:cNvSpPr/>
+          <p:nvPr/>
+        </p:nvSpPr>
+        <p:spPr bwMode="auto">
+          <a:xfrm>
+            <a:off x="3945713" y="5802830"/>
+            <a:ext cx="2548668" cy="2490698"/>
+          </a:xfrm>
+          <a:prstGeom prst="ellipse">
+            <a:avLst/>
+          </a:prstGeom>
+          <a:noFill/>
+          <a:ln w="12700" cap="flat" cmpd="sng" algn="ctr">
+            <a:solidFill>
+              <a:schemeClr val="tx1"/>
+            </a:solidFill>
+            <a:prstDash val="solid"/>
+            <a:round/>
+            <a:headEnd type="none" w="sm" len="sm"/>
+            <a:tailEnd type="none" w="sm" len="sm"/>
+          </a:ln>
+          <a:effectLst/>
+        </p:spPr>
+        <p:txBody>
+          <a:bodyPr vert="horz" wrap="square" lIns="91440" tIns="45720" rIns="91440" bIns="45720" numCol="1" rtlCol="0" anchor="t" anchorCtr="0" compatLnSpc="1">
+            <a:prstTxWarp prst="textNoShape">
+              <a:avLst/>
+            </a:prstTxWarp>
+          </a:bodyPr>
+          <a:lstStyle/>
+          <a:p>
+            <a:pPr marL="0" marR="0" indent="0" algn="l" defTabSz="914400" rtl="0" eaLnBrk="0" fontAlgn="base" latinLnBrk="0" hangingPunct="0">
+              <a:lnSpc>
+                <a:spcPct val="100000"/>
+              </a:lnSpc>
+              <a:spcBef>
+                <a:spcPct val="0"/>
+              </a:spcBef>
+              <a:spcAft>
+                <a:spcPct val="0"/>
+              </a:spcAft>
+              <a:buClrTx/>
+              <a:buSzTx/>
+              <a:buFontTx/>
+              <a:buNone/>
+              <a:tabLst/>
+            </a:pPr>
+            <a:endParaRPr kumimoji="1" lang="ja-JP" altLang="en-US" sz="1200" b="0" i="0" u="none" strike="noStrike" cap="none" normalizeH="0" baseline="0">
+              <a:ln>
+                <a:noFill/>
+              </a:ln>
+              <a:solidFill>
+                <a:schemeClr val="tx1"/>
+              </a:solidFill>
+              <a:effectLst/>
+              <a:latin typeface="ＭＳ Ｐゴシック" charset="-128"/>
+              <a:ea typeface="ＭＳ Ｐゴシック" charset="-128"/>
+            </a:endParaRPr>
+          </a:p>
+        </p:txBody>
+      </p:sp>
+      <p:sp>
+        <p:nvSpPr>
+          <p:cNvPr id="38" name="楕円 37">
+            <a:extLst>
+              <a:ext uri="{FF2B5EF4-FFF2-40B4-BE49-F238E27FC236}">
+                <a16:creationId xmlns:a16="http://schemas.microsoft.com/office/drawing/2014/main" id="{8A3F8B33-7C21-4D97-95FA-28DF5D901448}"/>
+              </a:ext>
+            </a:extLst>
+          </p:cNvPr>
+          <p:cNvSpPr/>
+          <p:nvPr/>
+        </p:nvSpPr>
+        <p:spPr bwMode="auto">
+          <a:xfrm>
+            <a:off x="5457881" y="5791628"/>
+            <a:ext cx="2548668" cy="2490698"/>
+          </a:xfrm>
+          <a:prstGeom prst="ellipse">
+            <a:avLst/>
+          </a:prstGeom>
+          <a:noFill/>
+          <a:ln w="12700" cap="flat" cmpd="sng" algn="ctr">
+            <a:solidFill>
+              <a:schemeClr val="tx1"/>
+            </a:solidFill>
+            <a:prstDash val="solid"/>
+            <a:round/>
+            <a:headEnd type="none" w="sm" len="sm"/>
+            <a:tailEnd type="none" w="sm" len="sm"/>
+          </a:ln>
+          <a:effectLst/>
+        </p:spPr>
+        <p:txBody>
+          <a:bodyPr vert="horz" wrap="square" lIns="91440" tIns="45720" rIns="91440" bIns="45720" numCol="1" rtlCol="0" anchor="t" anchorCtr="0" compatLnSpc="1">
+            <a:prstTxWarp prst="textNoShape">
+              <a:avLst/>
+            </a:prstTxWarp>
+          </a:bodyPr>
+          <a:lstStyle/>
+          <a:p>
+            <a:pPr marL="0" marR="0" indent="0" algn="l" defTabSz="914400" rtl="0" eaLnBrk="0" fontAlgn="base" latinLnBrk="0" hangingPunct="0">
+              <a:lnSpc>
+                <a:spcPct val="100000"/>
+              </a:lnSpc>
+              <a:spcBef>
+                <a:spcPct val="0"/>
+              </a:spcBef>
+              <a:spcAft>
+                <a:spcPct val="0"/>
+              </a:spcAft>
+              <a:buClrTx/>
+              <a:buSzTx/>
+              <a:buFontTx/>
+              <a:buNone/>
+              <a:tabLst/>
+            </a:pPr>
+            <a:endParaRPr kumimoji="1" lang="ja-JP" altLang="en-US" sz="1200" b="0" i="0" u="none" strike="noStrike" cap="none" normalizeH="0" baseline="0">
+              <a:ln>
+                <a:noFill/>
+              </a:ln>
+              <a:solidFill>
+                <a:schemeClr val="tx1"/>
+              </a:solidFill>
+              <a:effectLst/>
+              <a:latin typeface="ＭＳ Ｐゴシック" charset="-128"/>
+              <a:ea typeface="ＭＳ Ｐゴシック" charset="-128"/>
+            </a:endParaRPr>
+          </a:p>
+        </p:txBody>
+      </p:sp>
+      <p:sp>
+        <p:nvSpPr>
+          <p:cNvPr id="39" name="楕円 38">
+            <a:extLst>
+              <a:ext uri="{FF2B5EF4-FFF2-40B4-BE49-F238E27FC236}">
+                <a16:creationId xmlns:a16="http://schemas.microsoft.com/office/drawing/2014/main" id="{14D971FE-2F7F-43E6-B7C1-C19FF8572A2B}"/>
+              </a:ext>
+            </a:extLst>
+          </p:cNvPr>
+          <p:cNvSpPr/>
+          <p:nvPr/>
+        </p:nvSpPr>
+        <p:spPr bwMode="auto">
+          <a:xfrm>
+            <a:off x="6904068" y="5806441"/>
+            <a:ext cx="2548668" cy="2490698"/>
+          </a:xfrm>
+          <a:prstGeom prst="ellipse">
+            <a:avLst/>
+          </a:prstGeom>
+          <a:noFill/>
+          <a:ln w="12700" cap="flat" cmpd="sng" algn="ctr">
+            <a:solidFill>
+              <a:schemeClr val="tx1"/>
+            </a:solidFill>
+            <a:prstDash val="solid"/>
+            <a:round/>
+            <a:headEnd type="none" w="sm" len="sm"/>
+            <a:tailEnd type="none" w="sm" len="sm"/>
+          </a:ln>
+          <a:effectLst/>
+        </p:spPr>
+        <p:txBody>
+          <a:bodyPr vert="horz" wrap="square" lIns="91440" tIns="45720" rIns="91440" bIns="45720" numCol="1" rtlCol="0" anchor="t" anchorCtr="0" compatLnSpc="1">
+            <a:prstTxWarp prst="textNoShape">
+              <a:avLst/>
+            </a:prstTxWarp>
+          </a:bodyPr>
+          <a:lstStyle/>
+          <a:p>
+            <a:pPr marL="0" marR="0" indent="0" algn="l" defTabSz="914400" rtl="0" eaLnBrk="0" fontAlgn="base" latinLnBrk="0" hangingPunct="0">
+              <a:lnSpc>
+                <a:spcPct val="100000"/>
+              </a:lnSpc>
+              <a:spcBef>
+                <a:spcPct val="0"/>
+              </a:spcBef>
+              <a:spcAft>
+                <a:spcPct val="0"/>
+              </a:spcAft>
+              <a:buClrTx/>
+              <a:buSzTx/>
+              <a:buFontTx/>
+              <a:buNone/>
+              <a:tabLst/>
+            </a:pPr>
+            <a:endParaRPr kumimoji="1" lang="ja-JP" altLang="en-US" sz="1200" b="0" i="0" u="none" strike="noStrike" cap="none" normalizeH="0" baseline="0">
+              <a:ln>
+                <a:noFill/>
+              </a:ln>
+              <a:solidFill>
+                <a:schemeClr val="tx1"/>
+              </a:solidFill>
+              <a:effectLst/>
+              <a:latin typeface="ＭＳ Ｐゴシック" charset="-128"/>
+              <a:ea typeface="ＭＳ Ｐゴシック" charset="-128"/>
+            </a:endParaRPr>
+          </a:p>
+        </p:txBody>
+      </p:sp>
+      <p:sp>
+        <p:nvSpPr>
+          <p:cNvPr id="40" name="楕円 39">
+            <a:extLst>
+              <a:ext uri="{FF2B5EF4-FFF2-40B4-BE49-F238E27FC236}">
+                <a16:creationId xmlns:a16="http://schemas.microsoft.com/office/drawing/2014/main" id="{A526F0EE-04E6-462B-B3B7-48716B68677E}"/>
+              </a:ext>
+            </a:extLst>
+          </p:cNvPr>
+          <p:cNvSpPr/>
+          <p:nvPr/>
+        </p:nvSpPr>
+        <p:spPr bwMode="auto">
+          <a:xfrm>
+            <a:off x="8266193" y="5798048"/>
+            <a:ext cx="2548668" cy="2490698"/>
+          </a:xfrm>
+          <a:prstGeom prst="ellipse">
+            <a:avLst/>
+          </a:prstGeom>
+          <a:noFill/>
+          <a:ln w="12700" cap="flat" cmpd="sng" algn="ctr">
+            <a:solidFill>
+              <a:schemeClr val="tx1"/>
+            </a:solidFill>
+            <a:prstDash val="solid"/>
+            <a:round/>
+            <a:headEnd type="none" w="sm" len="sm"/>
+            <a:tailEnd type="none" w="sm" len="sm"/>
+          </a:ln>
+          <a:effectLst/>
+        </p:spPr>
+        <p:txBody>
+          <a:bodyPr vert="horz" wrap="square" lIns="91440" tIns="45720" rIns="91440" bIns="45720" numCol="1" rtlCol="0" anchor="t" anchorCtr="0" compatLnSpc="1">
+            <a:prstTxWarp prst="textNoShape">
+              <a:avLst/>
+            </a:prstTxWarp>
+          </a:bodyPr>
+          <a:lstStyle/>
+          <a:p>
+            <a:pPr marL="0" marR="0" indent="0" algn="l" defTabSz="914400" rtl="0" eaLnBrk="0" fontAlgn="base" latinLnBrk="0" hangingPunct="0">
+              <a:lnSpc>
+                <a:spcPct val="100000"/>
+              </a:lnSpc>
+              <a:spcBef>
+                <a:spcPct val="0"/>
+              </a:spcBef>
+              <a:spcAft>
+                <a:spcPct val="0"/>
+              </a:spcAft>
+              <a:buClrTx/>
+              <a:buSzTx/>
+              <a:buFontTx/>
+              <a:buNone/>
+              <a:tabLst/>
+            </a:pPr>
+            <a:endParaRPr kumimoji="1" lang="ja-JP" altLang="en-US" sz="1200" b="0" i="0" u="none" strike="noStrike" cap="none" normalizeH="0" baseline="0">
+              <a:ln>
+                <a:noFill/>
+              </a:ln>
+              <a:solidFill>
+                <a:schemeClr val="tx1"/>
+              </a:solidFill>
+              <a:effectLst/>
+              <a:latin typeface="ＭＳ Ｐゴシック" charset="-128"/>
+              <a:ea typeface="ＭＳ Ｐゴシック" charset="-128"/>
+            </a:endParaRPr>
+          </a:p>
+        </p:txBody>
+      </p:sp>
+      <p:sp>
+        <p:nvSpPr>
+          <p:cNvPr id="41" name="部分円 40">
+            <a:extLst>
+              <a:ext uri="{FF2B5EF4-FFF2-40B4-BE49-F238E27FC236}">
+                <a16:creationId xmlns:a16="http://schemas.microsoft.com/office/drawing/2014/main" id="{9E5D0A96-36C5-40C4-940B-EA36416974FF}"/>
+              </a:ext>
+            </a:extLst>
+          </p:cNvPr>
+          <p:cNvSpPr/>
+          <p:nvPr/>
+        </p:nvSpPr>
+        <p:spPr bwMode="auto">
+          <a:xfrm>
+            <a:off x="2400653" y="332518"/>
+            <a:ext cx="3899514" cy="3532300"/>
+          </a:xfrm>
+          <a:prstGeom prst="pie">
+            <a:avLst>
+              <a:gd name="adj1" fmla="val 8016166"/>
+              <a:gd name="adj2" fmla="val 13776984"/>
+            </a:avLst>
+          </a:prstGeom>
+          <a:noFill/>
+          <a:ln w="12700" cap="flat" cmpd="sng" algn="ctr">
+            <a:solidFill>
+              <a:schemeClr val="tx1"/>
+            </a:solidFill>
+            <a:prstDash val="solid"/>
+            <a:round/>
+            <a:headEnd type="none" w="sm" len="sm"/>
+            <a:tailEnd type="none" w="sm" len="sm"/>
+          </a:ln>
+          <a:effectLst/>
+        </p:spPr>
+        <p:txBody>
+          <a:bodyPr vert="horz" wrap="square" lIns="91440" tIns="45720" rIns="91440" bIns="45720" numCol="1" rtlCol="0" anchor="t" anchorCtr="0" compatLnSpc="1">
+            <a:prstTxWarp prst="textNoShape">
+              <a:avLst/>
+            </a:prstTxWarp>
+          </a:bodyPr>
+          <a:lstStyle/>
+          <a:p>
+            <a:pPr marL="0" marR="0" indent="0" algn="l" defTabSz="914400" rtl="0" eaLnBrk="0" fontAlgn="base" latinLnBrk="0" hangingPunct="0">
+              <a:lnSpc>
+                <a:spcPct val="100000"/>
+              </a:lnSpc>
+              <a:spcBef>
+                <a:spcPct val="0"/>
+              </a:spcBef>
+              <a:spcAft>
+                <a:spcPct val="0"/>
+              </a:spcAft>
+              <a:buClrTx/>
+              <a:buSzTx/>
+              <a:buFontTx/>
+              <a:buNone/>
+              <a:tabLst/>
+            </a:pPr>
+            <a:endParaRPr kumimoji="1" lang="ja-JP" altLang="en-US" sz="1200" b="0" i="0" u="none" strike="noStrike" cap="none" normalizeH="0" baseline="0">
+              <a:ln>
+                <a:noFill/>
+              </a:ln>
+              <a:solidFill>
+                <a:schemeClr val="tx1"/>
+              </a:solidFill>
+              <a:effectLst/>
+              <a:latin typeface="ＭＳ Ｐゴシック" charset="-128"/>
+              <a:ea typeface="ＭＳ Ｐゴシック" charset="-128"/>
+            </a:endParaRPr>
+          </a:p>
+        </p:txBody>
+      </p:sp>
+      <p:sp>
+        <p:nvSpPr>
+          <p:cNvPr id="42" name="部分円 41">
+            <a:extLst>
+              <a:ext uri="{FF2B5EF4-FFF2-40B4-BE49-F238E27FC236}">
+                <a16:creationId xmlns:a16="http://schemas.microsoft.com/office/drawing/2014/main" id="{91AE127C-39F0-421F-B060-0FED2666F4FC}"/>
+              </a:ext>
+            </a:extLst>
+          </p:cNvPr>
+          <p:cNvSpPr/>
+          <p:nvPr/>
+        </p:nvSpPr>
+        <p:spPr bwMode="auto">
+          <a:xfrm rot="10800000">
+            <a:off x="8544454" y="332518"/>
+            <a:ext cx="3899514" cy="3532300"/>
+          </a:xfrm>
+          <a:prstGeom prst="pie">
+            <a:avLst>
+              <a:gd name="adj1" fmla="val 8016166"/>
+              <a:gd name="adj2" fmla="val 13776984"/>
+            </a:avLst>
+          </a:prstGeom>
+          <a:noFill/>
+          <a:ln w="12700" cap="flat" cmpd="sng" algn="ctr">
+            <a:solidFill>
+              <a:schemeClr val="tx1"/>
+            </a:solidFill>
+            <a:prstDash val="solid"/>
+            <a:round/>
+            <a:headEnd type="none" w="sm" len="sm"/>
+            <a:tailEnd type="none" w="sm" len="sm"/>
+          </a:ln>
+          <a:effectLst/>
+        </p:spPr>
+        <p:txBody>
+          <a:bodyPr vert="horz" wrap="square" lIns="91440" tIns="45720" rIns="91440" bIns="45720" numCol="1" rtlCol="0" anchor="t" anchorCtr="0" compatLnSpc="1">
+            <a:prstTxWarp prst="textNoShape">
+              <a:avLst/>
+            </a:prstTxWarp>
+          </a:bodyPr>
+          <a:lstStyle/>
+          <a:p>
+            <a:pPr marL="0" marR="0" indent="0" algn="l" defTabSz="914400" rtl="0" eaLnBrk="0" fontAlgn="base" latinLnBrk="0" hangingPunct="0">
+              <a:lnSpc>
+                <a:spcPct val="100000"/>
+              </a:lnSpc>
+              <a:spcBef>
+                <a:spcPct val="0"/>
+              </a:spcBef>
+              <a:spcAft>
+                <a:spcPct val="0"/>
+              </a:spcAft>
+              <a:buClrTx/>
+              <a:buSzTx/>
+              <a:buFontTx/>
+              <a:buNone/>
+              <a:tabLst/>
+            </a:pPr>
+            <a:endParaRPr kumimoji="1" lang="ja-JP" altLang="en-US" sz="1200" b="0" i="0" u="none" strike="noStrike" cap="none" normalizeH="0" baseline="0">
+              <a:ln>
+                <a:noFill/>
+              </a:ln>
+              <a:solidFill>
+                <a:schemeClr val="tx1"/>
+              </a:solidFill>
+              <a:effectLst/>
+              <a:latin typeface="ＭＳ Ｐゴシック" charset="-128"/>
+              <a:ea typeface="ＭＳ Ｐゴシック" charset="-128"/>
+            </a:endParaRPr>
+          </a:p>
+        </p:txBody>
+      </p:sp>
+      <p:sp>
+        <p:nvSpPr>
+          <p:cNvPr id="43" name="四角形: 角を丸くする 42">
+            <a:extLst>
+              <a:ext uri="{FF2B5EF4-FFF2-40B4-BE49-F238E27FC236}">
+                <a16:creationId xmlns:a16="http://schemas.microsoft.com/office/drawing/2014/main" id="{699163F8-CD27-42EB-8B19-C65A9B58437F}"/>
+              </a:ext>
+            </a:extLst>
+          </p:cNvPr>
+          <p:cNvSpPr/>
+          <p:nvPr/>
+        </p:nvSpPr>
+        <p:spPr bwMode="auto">
+          <a:xfrm>
+            <a:off x="2031661" y="5791628"/>
+            <a:ext cx="2016224" cy="3532300"/>
+          </a:xfrm>
+          <a:prstGeom prst="roundRect">
+            <a:avLst/>
+          </a:prstGeom>
+          <a:noFill/>
+          <a:ln w="31750" cap="flat" cmpd="sng" algn="ctr">
+            <a:solidFill>
+              <a:srgbClr val="00B0F0"/>
+            </a:solidFill>
+            <a:prstDash val="dash"/>
+            <a:round/>
+            <a:headEnd type="none" w="sm" len="sm"/>
+            <a:tailEnd type="none" w="sm" len="sm"/>
+          </a:ln>
+          <a:effectLst/>
+        </p:spPr>
+        <p:txBody>
+          <a:bodyPr vert="horz" wrap="square" lIns="91440" tIns="45720" rIns="91440" bIns="45720" numCol="1" rtlCol="0" anchor="t" anchorCtr="0" compatLnSpc="1">
+            <a:prstTxWarp prst="textNoShape">
+              <a:avLst/>
+            </a:prstTxWarp>
+          </a:bodyPr>
+          <a:lstStyle/>
+          <a:p>
+            <a:pPr marL="0" marR="0" indent="0" algn="l" defTabSz="914400" rtl="0" eaLnBrk="0" fontAlgn="base" latinLnBrk="0" hangingPunct="0">
+              <a:lnSpc>
+                <a:spcPct val="100000"/>
+              </a:lnSpc>
+              <a:spcBef>
+                <a:spcPct val="0"/>
+              </a:spcBef>
+              <a:spcAft>
+                <a:spcPct val="0"/>
+              </a:spcAft>
+              <a:buClrTx/>
+              <a:buSzTx/>
+              <a:buFontTx/>
+              <a:buNone/>
+              <a:tabLst/>
+            </a:pPr>
+            <a:endParaRPr kumimoji="1" lang="ja-JP" altLang="en-US" sz="1200" b="0" i="0" u="none" strike="noStrike" cap="none" normalizeH="0" baseline="0">
+              <a:ln>
+                <a:noFill/>
+              </a:ln>
+              <a:solidFill>
+                <a:schemeClr val="tx1"/>
+              </a:solidFill>
+              <a:effectLst/>
+              <a:latin typeface="ＭＳ Ｐゴシック" charset="-128"/>
+              <a:ea typeface="ＭＳ Ｐゴシック" charset="-128"/>
+            </a:endParaRPr>
+          </a:p>
+        </p:txBody>
+      </p:sp>
+      <p:sp>
+        <p:nvSpPr>
+          <p:cNvPr id="44" name="四角形: 角を丸くする 43">
+            <a:extLst>
+              <a:ext uri="{FF2B5EF4-FFF2-40B4-BE49-F238E27FC236}">
+                <a16:creationId xmlns:a16="http://schemas.microsoft.com/office/drawing/2014/main" id="{C56FDC7C-F58E-40E0-8A4E-885AB9B2B741}"/>
+              </a:ext>
+            </a:extLst>
+          </p:cNvPr>
+          <p:cNvSpPr/>
+          <p:nvPr/>
+        </p:nvSpPr>
+        <p:spPr bwMode="auto">
+          <a:xfrm>
+            <a:off x="5004023" y="5814260"/>
+            <a:ext cx="2016224" cy="3532300"/>
+          </a:xfrm>
+          <a:prstGeom prst="roundRect">
+            <a:avLst/>
+          </a:prstGeom>
+          <a:noFill/>
+          <a:ln w="31750" cap="flat" cmpd="sng" algn="ctr">
+            <a:solidFill>
+              <a:srgbClr val="00B0F0"/>
+            </a:solidFill>
+            <a:prstDash val="dash"/>
+            <a:round/>
+            <a:headEnd type="none" w="sm" len="sm"/>
+            <a:tailEnd type="none" w="sm" len="sm"/>
+          </a:ln>
+          <a:effectLst/>
+        </p:spPr>
+        <p:txBody>
+          <a:bodyPr vert="horz" wrap="square" lIns="91440" tIns="45720" rIns="91440" bIns="45720" numCol="1" rtlCol="0" anchor="t" anchorCtr="0" compatLnSpc="1">
+            <a:prstTxWarp prst="textNoShape">
+              <a:avLst/>
+            </a:prstTxWarp>
+          </a:bodyPr>
+          <a:lstStyle/>
+          <a:p>
+            <a:pPr marL="0" marR="0" indent="0" algn="l" defTabSz="914400" rtl="0" eaLnBrk="0" fontAlgn="base" latinLnBrk="0" hangingPunct="0">
+              <a:lnSpc>
+                <a:spcPct val="100000"/>
+              </a:lnSpc>
+              <a:spcBef>
+                <a:spcPct val="0"/>
+              </a:spcBef>
+              <a:spcAft>
+                <a:spcPct val="0"/>
+              </a:spcAft>
+              <a:buClrTx/>
+              <a:buSzTx/>
+              <a:buFontTx/>
+              <a:buNone/>
+              <a:tabLst/>
+            </a:pPr>
+            <a:endParaRPr kumimoji="1" lang="ja-JP" altLang="en-US" sz="1200" b="0" i="0" u="none" strike="noStrike" cap="none" normalizeH="0" baseline="0">
+              <a:ln>
+                <a:noFill/>
+              </a:ln>
+              <a:solidFill>
+                <a:schemeClr val="tx1"/>
+              </a:solidFill>
+              <a:effectLst/>
+              <a:latin typeface="ＭＳ Ｐゴシック" charset="-128"/>
+              <a:ea typeface="ＭＳ Ｐゴシック" charset="-128"/>
+            </a:endParaRPr>
+          </a:p>
+        </p:txBody>
+      </p:sp>
+      <p:sp>
+        <p:nvSpPr>
+          <p:cNvPr id="45" name="四角形: 角を丸くする 44">
+            <a:extLst>
+              <a:ext uri="{FF2B5EF4-FFF2-40B4-BE49-F238E27FC236}">
+                <a16:creationId xmlns:a16="http://schemas.microsoft.com/office/drawing/2014/main" id="{732CE3DB-D17A-4925-93B3-4C0D5F3D278F}"/>
+              </a:ext>
+            </a:extLst>
+          </p:cNvPr>
+          <p:cNvSpPr/>
+          <p:nvPr/>
+        </p:nvSpPr>
+        <p:spPr bwMode="auto">
+          <a:xfrm>
+            <a:off x="2028680" y="825412"/>
+            <a:ext cx="2016224" cy="4778811"/>
+          </a:xfrm>
+          <a:prstGeom prst="roundRect">
+            <a:avLst/>
+          </a:prstGeom>
+          <a:noFill/>
+          <a:ln w="31750" cap="flat" cmpd="sng" algn="ctr">
+            <a:solidFill>
+              <a:srgbClr val="00B0F0"/>
+            </a:solidFill>
+            <a:prstDash val="dash"/>
+            <a:round/>
+            <a:headEnd type="none" w="sm" len="sm"/>
+            <a:tailEnd type="none" w="sm" len="sm"/>
+          </a:ln>
+          <a:effectLst/>
+        </p:spPr>
+        <p:txBody>
+          <a:bodyPr vert="horz" wrap="square" lIns="91440" tIns="45720" rIns="91440" bIns="45720" numCol="1" rtlCol="0" anchor="t" anchorCtr="0" compatLnSpc="1">
+            <a:prstTxWarp prst="textNoShape">
+              <a:avLst/>
+            </a:prstTxWarp>
+          </a:bodyPr>
+          <a:lstStyle/>
+          <a:p>
+            <a:pPr marL="0" marR="0" indent="0" algn="l" defTabSz="914400" rtl="0" eaLnBrk="0" fontAlgn="base" latinLnBrk="0" hangingPunct="0">
+              <a:lnSpc>
+                <a:spcPct val="100000"/>
+              </a:lnSpc>
+              <a:spcBef>
+                <a:spcPct val="0"/>
+              </a:spcBef>
+              <a:spcAft>
+                <a:spcPct val="0"/>
+              </a:spcAft>
+              <a:buClrTx/>
+              <a:buSzTx/>
+              <a:buFontTx/>
+              <a:buNone/>
+              <a:tabLst/>
+            </a:pPr>
+            <a:endParaRPr kumimoji="1" lang="ja-JP" altLang="en-US" sz="1200" b="0" i="0" u="none" strike="noStrike" cap="none" normalizeH="0" baseline="0" dirty="0">
+              <a:ln>
+                <a:noFill/>
+              </a:ln>
+              <a:solidFill>
+                <a:schemeClr val="tx1"/>
+              </a:solidFill>
+              <a:effectLst/>
+              <a:latin typeface="ＭＳ Ｐゴシック" charset="-128"/>
+              <a:ea typeface="ＭＳ Ｐゴシック" charset="-128"/>
+            </a:endParaRPr>
+          </a:p>
+        </p:txBody>
+      </p:sp>
+      <p:sp>
+        <p:nvSpPr>
+          <p:cNvPr id="46" name="四角形: 角を丸くする 45">
+            <a:extLst>
+              <a:ext uri="{FF2B5EF4-FFF2-40B4-BE49-F238E27FC236}">
+                <a16:creationId xmlns:a16="http://schemas.microsoft.com/office/drawing/2014/main" id="{B36F8A28-B0FE-4EE2-BE90-4C2AFFDA5580}"/>
+              </a:ext>
+            </a:extLst>
+          </p:cNvPr>
+          <p:cNvSpPr/>
+          <p:nvPr/>
+        </p:nvSpPr>
+        <p:spPr bwMode="auto">
+          <a:xfrm>
+            <a:off x="5004023" y="821380"/>
+            <a:ext cx="2016224" cy="4778811"/>
+          </a:xfrm>
+          <a:prstGeom prst="roundRect">
+            <a:avLst/>
+          </a:prstGeom>
+          <a:noFill/>
+          <a:ln w="31750" cap="flat" cmpd="sng" algn="ctr">
+            <a:solidFill>
+              <a:srgbClr val="00B0F0"/>
+            </a:solidFill>
+            <a:prstDash val="dash"/>
+            <a:round/>
+            <a:headEnd type="none" w="sm" len="sm"/>
+            <a:tailEnd type="none" w="sm" len="sm"/>
+          </a:ln>
+          <a:effectLst/>
+        </p:spPr>
+        <p:txBody>
+          <a:bodyPr vert="horz" wrap="square" lIns="91440" tIns="45720" rIns="91440" bIns="45720" numCol="1" rtlCol="0" anchor="t" anchorCtr="0" compatLnSpc="1">
+            <a:prstTxWarp prst="textNoShape">
+              <a:avLst/>
+            </a:prstTxWarp>
+          </a:bodyPr>
+          <a:lstStyle/>
+          <a:p>
+            <a:pPr marL="0" marR="0" indent="0" algn="l" defTabSz="914400" rtl="0" eaLnBrk="0" fontAlgn="base" latinLnBrk="0" hangingPunct="0">
+              <a:lnSpc>
+                <a:spcPct val="100000"/>
+              </a:lnSpc>
+              <a:spcBef>
+                <a:spcPct val="0"/>
+              </a:spcBef>
+              <a:spcAft>
+                <a:spcPct val="0"/>
+              </a:spcAft>
+              <a:buClrTx/>
+              <a:buSzTx/>
+              <a:buFontTx/>
+              <a:buNone/>
+              <a:tabLst/>
+            </a:pPr>
+            <a:endParaRPr kumimoji="1" lang="ja-JP" altLang="en-US" sz="1200" b="0" i="0" u="none" strike="noStrike" cap="none" normalizeH="0" baseline="0">
+              <a:ln>
+                <a:noFill/>
+              </a:ln>
+              <a:solidFill>
+                <a:schemeClr val="tx1"/>
+              </a:solidFill>
+              <a:effectLst/>
+              <a:latin typeface="ＭＳ Ｐゴシック" charset="-128"/>
+              <a:ea typeface="ＭＳ Ｐゴシック" charset="-128"/>
+            </a:endParaRPr>
+          </a:p>
+        </p:txBody>
+      </p:sp>
+      <p:sp>
+        <p:nvSpPr>
+          <p:cNvPr id="47" name="四角形: 角を丸くする 46">
+            <a:extLst>
+              <a:ext uri="{FF2B5EF4-FFF2-40B4-BE49-F238E27FC236}">
+                <a16:creationId xmlns:a16="http://schemas.microsoft.com/office/drawing/2014/main" id="{051A20EB-26E2-4E6E-9A93-1BBE42159D53}"/>
+              </a:ext>
+            </a:extLst>
+          </p:cNvPr>
+          <p:cNvSpPr/>
+          <p:nvPr/>
+        </p:nvSpPr>
+        <p:spPr bwMode="auto">
+          <a:xfrm>
+            <a:off x="7960560" y="819067"/>
+            <a:ext cx="2016224" cy="4778811"/>
+          </a:xfrm>
+          <a:prstGeom prst="roundRect">
+            <a:avLst/>
+          </a:prstGeom>
+          <a:noFill/>
+          <a:ln w="31750" cap="flat" cmpd="sng" algn="ctr">
+            <a:solidFill>
+              <a:srgbClr val="00B0F0"/>
+            </a:solidFill>
+            <a:prstDash val="dash"/>
+            <a:round/>
+            <a:headEnd type="none" w="sm" len="sm"/>
+            <a:tailEnd type="none" w="sm" len="sm"/>
+          </a:ln>
+          <a:effectLst/>
+        </p:spPr>
+        <p:txBody>
+          <a:bodyPr vert="horz" wrap="square" lIns="91440" tIns="45720" rIns="91440" bIns="45720" numCol="1" rtlCol="0" anchor="t" anchorCtr="0" compatLnSpc="1">
+            <a:prstTxWarp prst="textNoShape">
+              <a:avLst/>
+            </a:prstTxWarp>
+          </a:bodyPr>
+          <a:lstStyle/>
+          <a:p>
+            <a:pPr marL="0" marR="0" indent="0" algn="l" defTabSz="914400" rtl="0" eaLnBrk="0" fontAlgn="base" latinLnBrk="0" hangingPunct="0">
+              <a:lnSpc>
+                <a:spcPct val="100000"/>
+              </a:lnSpc>
+              <a:spcBef>
+                <a:spcPct val="0"/>
+              </a:spcBef>
+              <a:spcAft>
+                <a:spcPct val="0"/>
+              </a:spcAft>
+              <a:buClrTx/>
+              <a:buSzTx/>
+              <a:buFontTx/>
+              <a:buNone/>
+              <a:tabLst/>
+            </a:pPr>
+            <a:endParaRPr kumimoji="1" lang="ja-JP" altLang="en-US" sz="1200" b="0" i="0" u="none" strike="noStrike" cap="none" normalizeH="0" baseline="0">
+              <a:ln>
+                <a:noFill/>
+              </a:ln>
+              <a:solidFill>
+                <a:schemeClr val="tx1"/>
+              </a:solidFill>
+              <a:effectLst/>
+              <a:latin typeface="ＭＳ Ｐゴシック" charset="-128"/>
+              <a:ea typeface="ＭＳ Ｐゴシック" charset="-128"/>
+            </a:endParaRPr>
+          </a:p>
+        </p:txBody>
+      </p:sp>
+      <p:sp>
+        <p:nvSpPr>
+          <p:cNvPr id="48" name="四角形: 角を丸くする 47">
+            <a:extLst>
+              <a:ext uri="{FF2B5EF4-FFF2-40B4-BE49-F238E27FC236}">
+                <a16:creationId xmlns:a16="http://schemas.microsoft.com/office/drawing/2014/main" id="{9C7C5FCF-DB87-4340-89C3-0967AA4D6EFF}"/>
+              </a:ext>
+            </a:extLst>
+          </p:cNvPr>
+          <p:cNvSpPr/>
+          <p:nvPr/>
+        </p:nvSpPr>
+        <p:spPr bwMode="auto">
+          <a:xfrm>
+            <a:off x="10814861" y="818568"/>
+            <a:ext cx="2016224" cy="4778811"/>
+          </a:xfrm>
+          <a:prstGeom prst="roundRect">
+            <a:avLst/>
+          </a:prstGeom>
+          <a:noFill/>
+          <a:ln w="31750" cap="flat" cmpd="sng" algn="ctr">
+            <a:solidFill>
+              <a:srgbClr val="00B0F0"/>
+            </a:solidFill>
+            <a:prstDash val="dash"/>
+            <a:round/>
+            <a:headEnd type="none" w="sm" len="sm"/>
+            <a:tailEnd type="none" w="sm" len="sm"/>
+          </a:ln>
+          <a:effectLst/>
+        </p:spPr>
+        <p:txBody>
+          <a:bodyPr vert="horz" wrap="square" lIns="91440" tIns="45720" rIns="91440" bIns="45720" numCol="1" rtlCol="0" anchor="t" anchorCtr="0" compatLnSpc="1">
+            <a:prstTxWarp prst="textNoShape">
+              <a:avLst/>
+            </a:prstTxWarp>
+          </a:bodyPr>
+          <a:lstStyle/>
+          <a:p>
+            <a:pPr marL="0" marR="0" indent="0" algn="l" defTabSz="914400" rtl="0" eaLnBrk="0" fontAlgn="base" latinLnBrk="0" hangingPunct="0">
+              <a:lnSpc>
+                <a:spcPct val="100000"/>
+              </a:lnSpc>
+              <a:spcBef>
+                <a:spcPct val="0"/>
+              </a:spcBef>
+              <a:spcAft>
+                <a:spcPct val="0"/>
+              </a:spcAft>
+              <a:buClrTx/>
+              <a:buSzTx/>
+              <a:buFontTx/>
+              <a:buNone/>
+              <a:tabLst/>
+            </a:pPr>
+            <a:endParaRPr kumimoji="1" lang="ja-JP" altLang="en-US" sz="1200" b="0" i="0" u="none" strike="noStrike" cap="none" normalizeH="0" baseline="0">
+              <a:ln>
+                <a:noFill/>
+              </a:ln>
+              <a:solidFill>
+                <a:schemeClr val="tx1"/>
+              </a:solidFill>
+              <a:effectLst/>
+              <a:latin typeface="ＭＳ Ｐゴシック" charset="-128"/>
+              <a:ea typeface="ＭＳ Ｐゴシック" charset="-128"/>
+            </a:endParaRPr>
+          </a:p>
+        </p:txBody>
+      </p:sp>
+      <p:sp>
+        <p:nvSpPr>
+          <p:cNvPr id="49" name="四角形: 角を丸くする 48">
+            <a:extLst>
+              <a:ext uri="{FF2B5EF4-FFF2-40B4-BE49-F238E27FC236}">
+                <a16:creationId xmlns:a16="http://schemas.microsoft.com/office/drawing/2014/main" id="{5571B388-1B40-4278-A9CD-75B655EA00C2}"/>
+              </a:ext>
+            </a:extLst>
+          </p:cNvPr>
+          <p:cNvSpPr/>
+          <p:nvPr/>
+        </p:nvSpPr>
+        <p:spPr bwMode="auto">
+          <a:xfrm>
+            <a:off x="7959348" y="5806953"/>
+            <a:ext cx="2016224" cy="3532300"/>
+          </a:xfrm>
+          <a:prstGeom prst="roundRect">
+            <a:avLst/>
+          </a:prstGeom>
+          <a:noFill/>
+          <a:ln w="31750" cap="flat" cmpd="sng" algn="ctr">
+            <a:solidFill>
+              <a:srgbClr val="00B0F0"/>
+            </a:solidFill>
+            <a:prstDash val="dash"/>
+            <a:round/>
+            <a:headEnd type="none" w="sm" len="sm"/>
+            <a:tailEnd type="none" w="sm" len="sm"/>
+          </a:ln>
+          <a:effectLst/>
+        </p:spPr>
+        <p:txBody>
+          <a:bodyPr vert="horz" wrap="square" lIns="91440" tIns="45720" rIns="91440" bIns="45720" numCol="1" rtlCol="0" anchor="t" anchorCtr="0" compatLnSpc="1">
+            <a:prstTxWarp prst="textNoShape">
+              <a:avLst/>
+            </a:prstTxWarp>
+          </a:bodyPr>
+          <a:lstStyle/>
+          <a:p>
+            <a:pPr marL="0" marR="0" indent="0" algn="l" defTabSz="914400" rtl="0" eaLnBrk="0" fontAlgn="base" latinLnBrk="0" hangingPunct="0">
+              <a:lnSpc>
+                <a:spcPct val="100000"/>
+              </a:lnSpc>
+              <a:spcBef>
+                <a:spcPct val="0"/>
+              </a:spcBef>
+              <a:spcAft>
+                <a:spcPct val="0"/>
+              </a:spcAft>
+              <a:buClrTx/>
+              <a:buSzTx/>
+              <a:buFontTx/>
+              <a:buNone/>
+              <a:tabLst/>
+            </a:pPr>
+            <a:endParaRPr kumimoji="1" lang="ja-JP" altLang="en-US" sz="1200" b="0" i="0" u="none" strike="noStrike" cap="none" normalizeH="0" baseline="0">
+              <a:ln>
+                <a:noFill/>
+              </a:ln>
+              <a:solidFill>
+                <a:schemeClr val="tx1"/>
+              </a:solidFill>
+              <a:effectLst/>
+              <a:latin typeface="ＭＳ Ｐゴシック" charset="-128"/>
+              <a:ea typeface="ＭＳ Ｐゴシック" charset="-128"/>
+            </a:endParaRPr>
+          </a:p>
+        </p:txBody>
+      </p:sp>
+      <p:sp>
+        <p:nvSpPr>
+          <p:cNvPr id="50" name="四角形: 角を丸くする 49">
+            <a:extLst>
+              <a:ext uri="{FF2B5EF4-FFF2-40B4-BE49-F238E27FC236}">
+                <a16:creationId xmlns:a16="http://schemas.microsoft.com/office/drawing/2014/main" id="{B32CBB6E-DAE3-4C51-A56B-AD634D4594F1}"/>
+              </a:ext>
+            </a:extLst>
+          </p:cNvPr>
+          <p:cNvSpPr/>
+          <p:nvPr/>
+        </p:nvSpPr>
+        <p:spPr bwMode="auto">
+          <a:xfrm>
+            <a:off x="10814861" y="5817345"/>
+            <a:ext cx="2016224" cy="3532300"/>
+          </a:xfrm>
+          <a:prstGeom prst="roundRect">
+            <a:avLst/>
+          </a:prstGeom>
+          <a:noFill/>
+          <a:ln w="31750" cap="flat" cmpd="sng" algn="ctr">
+            <a:solidFill>
+              <a:srgbClr val="00B0F0"/>
+            </a:solidFill>
+            <a:prstDash val="dash"/>
+            <a:round/>
+            <a:headEnd type="none" w="sm" len="sm"/>
+            <a:tailEnd type="none" w="sm" len="sm"/>
+          </a:ln>
+          <a:effectLst/>
+        </p:spPr>
+        <p:txBody>
+          <a:bodyPr vert="horz" wrap="square" lIns="91440" tIns="45720" rIns="91440" bIns="45720" numCol="1" rtlCol="0" anchor="t" anchorCtr="0" compatLnSpc="1">
+            <a:prstTxWarp prst="textNoShape">
+              <a:avLst/>
+            </a:prstTxWarp>
+          </a:bodyPr>
+          <a:lstStyle/>
+          <a:p>
+            <a:pPr marL="0" marR="0" indent="0" algn="l" defTabSz="914400" rtl="0" eaLnBrk="0" fontAlgn="base" latinLnBrk="0" hangingPunct="0">
+              <a:lnSpc>
+                <a:spcPct val="100000"/>
+              </a:lnSpc>
+              <a:spcBef>
+                <a:spcPct val="0"/>
+              </a:spcBef>
+              <a:spcAft>
+                <a:spcPct val="0"/>
+              </a:spcAft>
+              <a:buClrTx/>
+              <a:buSzTx/>
+              <a:buFontTx/>
+              <a:buNone/>
+              <a:tabLst/>
+            </a:pPr>
+            <a:endParaRPr kumimoji="1" lang="ja-JP" altLang="en-US" sz="1200" b="0" i="0" u="none" strike="noStrike" cap="none" normalizeH="0" baseline="0">
+              <a:ln>
+                <a:noFill/>
+              </a:ln>
+              <a:solidFill>
+                <a:schemeClr val="tx1"/>
+              </a:solidFill>
+              <a:effectLst/>
+              <a:latin typeface="ＭＳ Ｐゴシック" charset="-128"/>
+              <a:ea typeface="ＭＳ Ｐゴシック" charset="-128"/>
+            </a:endParaRPr>
+          </a:p>
+        </p:txBody>
+      </p:sp>
+      <p:sp>
+        <p:nvSpPr>
+          <p:cNvPr id="63" name="四角形: 角を丸くする 62">
+            <a:extLst>
+              <a:ext uri="{FF2B5EF4-FFF2-40B4-BE49-F238E27FC236}">
+                <a16:creationId xmlns:a16="http://schemas.microsoft.com/office/drawing/2014/main" id="{36E9A86F-54C7-48E6-9B0E-09479535F3CA}"/>
+              </a:ext>
+            </a:extLst>
+          </p:cNvPr>
+          <p:cNvSpPr/>
+          <p:nvPr/>
+        </p:nvSpPr>
+        <p:spPr bwMode="auto">
+          <a:xfrm>
+            <a:off x="2025622" y="3761409"/>
+            <a:ext cx="374215" cy="606134"/>
+          </a:xfrm>
+          <a:prstGeom prst="roundRect">
+            <a:avLst/>
+          </a:prstGeom>
+          <a:noFill/>
+          <a:ln w="38100">
+            <a:solidFill>
+              <a:srgbClr val="00B0F0"/>
+            </a:solidFill>
+            <a:prstDash val="dash"/>
+            <a:headEnd type="none" w="sm" len="sm"/>
+            <a:tailEnd type="none" w="sm" len="sm"/>
+          </a:ln>
+        </p:spPr>
+        <p:style>
+          <a:lnRef idx="2">
+            <a:schemeClr val="dk1"/>
+          </a:lnRef>
+          <a:fillRef idx="1">
+            <a:schemeClr val="lt1"/>
+          </a:fillRef>
+          <a:effectRef idx="0">
+            <a:schemeClr val="dk1"/>
+          </a:effectRef>
+          <a:fontRef idx="minor">
+            <a:schemeClr val="dk1"/>
+          </a:fontRef>
+        </p:style>
+        <p:txBody>
+          <a:bodyPr vert="horz" wrap="square" lIns="91440" tIns="45720" rIns="91440" bIns="45720" numCol="1" rtlCol="0" anchor="t" anchorCtr="0" compatLnSpc="1">
+            <a:prstTxWarp prst="textNoShape">
+              <a:avLst/>
+            </a:prstTxWarp>
+          </a:bodyPr>
+          <a:lstStyle/>
+          <a:p>
+            <a:pPr marL="0" marR="0" indent="0" algn="ctr" defTabSz="914400" rtl="0" eaLnBrk="0" fontAlgn="base" latinLnBrk="0" hangingPunct="0">
+              <a:lnSpc>
+                <a:spcPct val="100000"/>
+              </a:lnSpc>
+              <a:spcBef>
+                <a:spcPct val="0"/>
+              </a:spcBef>
+              <a:spcAft>
+                <a:spcPct val="0"/>
+              </a:spcAft>
+              <a:buClrTx/>
+              <a:buSzTx/>
+              <a:buFontTx/>
+              <a:buNone/>
+              <a:tabLst/>
+            </a:pPr>
+            <a:r>
+              <a:rPr lang="en-US" altLang="ja-JP" sz="3200" b="1" dirty="0">
+                <a:solidFill>
+                  <a:schemeClr val="tx1"/>
+                </a:solidFill>
+                <a:latin typeface="ＭＳ Ｐゴシック" charset="-128"/>
+                <a:ea typeface="ＭＳ Ｐゴシック" charset="-128"/>
+              </a:rPr>
+              <a:t>a</a:t>
+            </a:r>
+            <a:endParaRPr kumimoji="1" lang="ja-JP" altLang="en-US" sz="3200" b="1" i="0" u="none" strike="noStrike" cap="none" normalizeH="0" baseline="0" dirty="0">
+              <a:ln>
+                <a:noFill/>
+              </a:ln>
+              <a:solidFill>
+                <a:schemeClr val="tx1"/>
+              </a:solidFill>
+              <a:effectLst/>
+              <a:latin typeface="ＭＳ Ｐゴシック" charset="-128"/>
+              <a:ea typeface="ＭＳ Ｐゴシック" charset="-128"/>
+            </a:endParaRPr>
+          </a:p>
+        </p:txBody>
+      </p:sp>
+      <p:sp>
+        <p:nvSpPr>
+          <p:cNvPr id="64" name="四角形: 角を丸くする 63">
+            <a:extLst>
+              <a:ext uri="{FF2B5EF4-FFF2-40B4-BE49-F238E27FC236}">
+                <a16:creationId xmlns:a16="http://schemas.microsoft.com/office/drawing/2014/main" id="{7DFCB1A8-12C7-4559-8BD2-87918DE3F193}"/>
+              </a:ext>
+            </a:extLst>
+          </p:cNvPr>
+          <p:cNvSpPr/>
+          <p:nvPr/>
+        </p:nvSpPr>
+        <p:spPr bwMode="auto">
+          <a:xfrm>
+            <a:off x="5020118" y="3835142"/>
+            <a:ext cx="374215" cy="606134"/>
+          </a:xfrm>
+          <a:prstGeom prst="roundRect">
+            <a:avLst/>
+          </a:prstGeom>
+          <a:noFill/>
+          <a:ln w="38100">
+            <a:solidFill>
+              <a:srgbClr val="00B0F0"/>
+            </a:solidFill>
+            <a:prstDash val="dash"/>
+            <a:headEnd type="none" w="sm" len="sm"/>
+            <a:tailEnd type="none" w="sm" len="sm"/>
+          </a:ln>
+        </p:spPr>
+        <p:style>
+          <a:lnRef idx="2">
+            <a:schemeClr val="dk1"/>
+          </a:lnRef>
+          <a:fillRef idx="1">
+            <a:schemeClr val="lt1"/>
+          </a:fillRef>
+          <a:effectRef idx="0">
+            <a:schemeClr val="dk1"/>
+          </a:effectRef>
+          <a:fontRef idx="minor">
+            <a:schemeClr val="dk1"/>
+          </a:fontRef>
+        </p:style>
+        <p:txBody>
+          <a:bodyPr vert="horz" wrap="square" lIns="91440" tIns="45720" rIns="91440" bIns="45720" numCol="1" rtlCol="0" anchor="t" anchorCtr="0" compatLnSpc="1">
+            <a:prstTxWarp prst="textNoShape">
+              <a:avLst/>
+            </a:prstTxWarp>
+          </a:bodyPr>
+          <a:lstStyle/>
+          <a:p>
+            <a:pPr marL="0" marR="0" indent="0" algn="ctr" defTabSz="914400" rtl="0" eaLnBrk="0" fontAlgn="base" latinLnBrk="0" hangingPunct="0">
+              <a:lnSpc>
+                <a:spcPct val="100000"/>
+              </a:lnSpc>
+              <a:spcBef>
+                <a:spcPct val="0"/>
+              </a:spcBef>
+              <a:spcAft>
+                <a:spcPct val="0"/>
+              </a:spcAft>
+              <a:buClrTx/>
+              <a:buSzTx/>
+              <a:buFontTx/>
+              <a:buNone/>
+              <a:tabLst/>
+            </a:pPr>
+            <a:r>
+              <a:rPr kumimoji="1" lang="en-US" altLang="ja-JP" sz="3200" b="1" i="0" u="none" strike="noStrike" cap="none" normalizeH="0" baseline="0" dirty="0">
+                <a:ln>
+                  <a:noFill/>
+                </a:ln>
+                <a:solidFill>
+                  <a:schemeClr val="tx1"/>
+                </a:solidFill>
+                <a:effectLst/>
+                <a:latin typeface="ＭＳ Ｐゴシック" charset="-128"/>
+                <a:ea typeface="ＭＳ Ｐゴシック" charset="-128"/>
+              </a:rPr>
+              <a:t>b</a:t>
+            </a:r>
+            <a:endParaRPr kumimoji="1" lang="ja-JP" altLang="en-US" sz="3200" b="1" i="0" u="none" strike="noStrike" cap="none" normalizeH="0" baseline="0" dirty="0">
+              <a:ln>
+                <a:noFill/>
+              </a:ln>
+              <a:solidFill>
+                <a:schemeClr val="tx1"/>
+              </a:solidFill>
+              <a:effectLst/>
+              <a:latin typeface="ＭＳ Ｐゴシック" charset="-128"/>
+              <a:ea typeface="ＭＳ Ｐゴシック" charset="-128"/>
+            </a:endParaRPr>
+          </a:p>
+        </p:txBody>
+      </p:sp>
+      <p:sp>
+        <p:nvSpPr>
+          <p:cNvPr id="65" name="四角形: 角を丸くする 64">
+            <a:extLst>
+              <a:ext uri="{FF2B5EF4-FFF2-40B4-BE49-F238E27FC236}">
+                <a16:creationId xmlns:a16="http://schemas.microsoft.com/office/drawing/2014/main" id="{D448619D-FC57-407D-844A-F4F9E10201F1}"/>
+              </a:ext>
+            </a:extLst>
+          </p:cNvPr>
+          <p:cNvSpPr/>
+          <p:nvPr/>
+        </p:nvSpPr>
+        <p:spPr bwMode="auto">
+          <a:xfrm>
+            <a:off x="7975218" y="3848450"/>
+            <a:ext cx="374215" cy="606134"/>
+          </a:xfrm>
+          <a:prstGeom prst="roundRect">
+            <a:avLst/>
+          </a:prstGeom>
+          <a:noFill/>
+          <a:ln w="38100">
+            <a:solidFill>
+              <a:srgbClr val="00B0F0"/>
+            </a:solidFill>
+            <a:prstDash val="dash"/>
+            <a:headEnd type="none" w="sm" len="sm"/>
+            <a:tailEnd type="none" w="sm" len="sm"/>
+          </a:ln>
+        </p:spPr>
+        <p:style>
+          <a:lnRef idx="2">
+            <a:schemeClr val="dk1"/>
+          </a:lnRef>
+          <a:fillRef idx="1">
+            <a:schemeClr val="lt1"/>
+          </a:fillRef>
+          <a:effectRef idx="0">
+            <a:schemeClr val="dk1"/>
+          </a:effectRef>
+          <a:fontRef idx="minor">
+            <a:schemeClr val="dk1"/>
+          </a:fontRef>
+        </p:style>
+        <p:txBody>
+          <a:bodyPr vert="horz" wrap="square" lIns="91440" tIns="45720" rIns="91440" bIns="45720" numCol="1" rtlCol="0" anchor="t" anchorCtr="0" compatLnSpc="1">
+            <a:prstTxWarp prst="textNoShape">
+              <a:avLst/>
+            </a:prstTxWarp>
+          </a:bodyPr>
+          <a:lstStyle/>
+          <a:p>
+            <a:pPr marL="0" marR="0" indent="0" algn="ctr" defTabSz="914400" rtl="0" eaLnBrk="0" fontAlgn="base" latinLnBrk="0" hangingPunct="0">
+              <a:lnSpc>
+                <a:spcPct val="100000"/>
+              </a:lnSpc>
+              <a:spcBef>
+                <a:spcPct val="0"/>
+              </a:spcBef>
+              <a:spcAft>
+                <a:spcPct val="0"/>
+              </a:spcAft>
+              <a:buClrTx/>
+              <a:buSzTx/>
+              <a:buFontTx/>
+              <a:buNone/>
+              <a:tabLst/>
+            </a:pPr>
+            <a:r>
+              <a:rPr lang="en-US" altLang="ja-JP" sz="3200" b="1" dirty="0">
+                <a:solidFill>
+                  <a:schemeClr val="tx1"/>
+                </a:solidFill>
+                <a:latin typeface="ＭＳ Ｐゴシック" charset="-128"/>
+                <a:ea typeface="ＭＳ Ｐゴシック" charset="-128"/>
+              </a:rPr>
+              <a:t>c</a:t>
+            </a:r>
+            <a:endParaRPr kumimoji="1" lang="ja-JP" altLang="en-US" sz="3200" b="1" i="0" u="none" strike="noStrike" cap="none" normalizeH="0" baseline="0" dirty="0">
+              <a:ln>
+                <a:noFill/>
+              </a:ln>
+              <a:solidFill>
+                <a:schemeClr val="tx1"/>
+              </a:solidFill>
+              <a:effectLst/>
+              <a:latin typeface="ＭＳ Ｐゴシック" charset="-128"/>
+              <a:ea typeface="ＭＳ Ｐゴシック" charset="-128"/>
+            </a:endParaRPr>
+          </a:p>
+        </p:txBody>
+      </p:sp>
+      <p:sp>
+        <p:nvSpPr>
+          <p:cNvPr id="66" name="四角形: 角を丸くする 65">
+            <a:extLst>
+              <a:ext uri="{FF2B5EF4-FFF2-40B4-BE49-F238E27FC236}">
+                <a16:creationId xmlns:a16="http://schemas.microsoft.com/office/drawing/2014/main" id="{CEE8569F-9FC3-4F92-8634-4CA1BDC1051B}"/>
+              </a:ext>
+            </a:extLst>
+          </p:cNvPr>
+          <p:cNvSpPr/>
+          <p:nvPr/>
+        </p:nvSpPr>
+        <p:spPr bwMode="auto">
+          <a:xfrm>
+            <a:off x="10820403" y="3871642"/>
+            <a:ext cx="374215" cy="606134"/>
+          </a:xfrm>
+          <a:prstGeom prst="roundRect">
+            <a:avLst/>
+          </a:prstGeom>
+          <a:noFill/>
+          <a:ln w="38100">
+            <a:solidFill>
+              <a:srgbClr val="00B0F0"/>
+            </a:solidFill>
+            <a:prstDash val="dash"/>
+            <a:headEnd type="none" w="sm" len="sm"/>
+            <a:tailEnd type="none" w="sm" len="sm"/>
+          </a:ln>
+        </p:spPr>
+        <p:style>
+          <a:lnRef idx="2">
+            <a:schemeClr val="dk1"/>
+          </a:lnRef>
+          <a:fillRef idx="1">
+            <a:schemeClr val="lt1"/>
+          </a:fillRef>
+          <a:effectRef idx="0">
+            <a:schemeClr val="dk1"/>
+          </a:effectRef>
+          <a:fontRef idx="minor">
+            <a:schemeClr val="dk1"/>
+          </a:fontRef>
+        </p:style>
+        <p:txBody>
+          <a:bodyPr vert="horz" wrap="square" lIns="91440" tIns="45720" rIns="91440" bIns="45720" numCol="1" rtlCol="0" anchor="t" anchorCtr="0" compatLnSpc="1">
+            <a:prstTxWarp prst="textNoShape">
+              <a:avLst/>
+            </a:prstTxWarp>
+          </a:bodyPr>
+          <a:lstStyle/>
+          <a:p>
+            <a:pPr marL="0" marR="0" indent="0" algn="ctr" defTabSz="914400" rtl="0" eaLnBrk="0" fontAlgn="base" latinLnBrk="0" hangingPunct="0">
+              <a:lnSpc>
+                <a:spcPct val="100000"/>
+              </a:lnSpc>
+              <a:spcBef>
+                <a:spcPct val="0"/>
+              </a:spcBef>
+              <a:spcAft>
+                <a:spcPct val="0"/>
+              </a:spcAft>
+              <a:buClrTx/>
+              <a:buSzTx/>
+              <a:buFontTx/>
+              <a:buNone/>
+              <a:tabLst/>
+            </a:pPr>
+            <a:r>
+              <a:rPr kumimoji="1" lang="en-US" altLang="ja-JP" sz="3200" b="1" i="0" u="none" strike="noStrike" cap="none" normalizeH="0" baseline="0" dirty="0">
+                <a:ln>
+                  <a:noFill/>
+                </a:ln>
+                <a:solidFill>
+                  <a:schemeClr val="tx1"/>
+                </a:solidFill>
+                <a:effectLst/>
+                <a:latin typeface="ＭＳ Ｐゴシック" charset="-128"/>
+                <a:ea typeface="ＭＳ Ｐゴシック" charset="-128"/>
+              </a:rPr>
+              <a:t>d</a:t>
+            </a:r>
+            <a:endParaRPr kumimoji="1" lang="ja-JP" altLang="en-US" sz="3200" b="1" i="0" u="none" strike="noStrike" cap="none" normalizeH="0" baseline="0" dirty="0">
+              <a:ln>
+                <a:noFill/>
+              </a:ln>
+              <a:solidFill>
+                <a:schemeClr val="tx1"/>
+              </a:solidFill>
+              <a:effectLst/>
+              <a:latin typeface="ＭＳ Ｐゴシック" charset="-128"/>
+              <a:ea typeface="ＭＳ Ｐゴシック" charset="-128"/>
+            </a:endParaRPr>
+          </a:p>
+        </p:txBody>
+      </p:sp>
+      <p:sp>
+        <p:nvSpPr>
+          <p:cNvPr id="67" name="四角形: 角を丸くする 66">
+            <a:extLst>
+              <a:ext uri="{FF2B5EF4-FFF2-40B4-BE49-F238E27FC236}">
+                <a16:creationId xmlns:a16="http://schemas.microsoft.com/office/drawing/2014/main" id="{E3B800DF-B465-49C4-A766-86610D64D575}"/>
+              </a:ext>
+            </a:extLst>
+          </p:cNvPr>
+          <p:cNvSpPr/>
+          <p:nvPr/>
+        </p:nvSpPr>
+        <p:spPr bwMode="auto">
+          <a:xfrm>
+            <a:off x="2022980" y="8408516"/>
+            <a:ext cx="374215" cy="606134"/>
+          </a:xfrm>
+          <a:prstGeom prst="roundRect">
+            <a:avLst/>
+          </a:prstGeom>
+          <a:noFill/>
+          <a:ln w="38100">
+            <a:solidFill>
+              <a:srgbClr val="00B0F0"/>
+            </a:solidFill>
+            <a:prstDash val="dash"/>
+            <a:headEnd type="none" w="sm" len="sm"/>
+            <a:tailEnd type="none" w="sm" len="sm"/>
+          </a:ln>
+        </p:spPr>
+        <p:style>
+          <a:lnRef idx="2">
+            <a:schemeClr val="dk1"/>
+          </a:lnRef>
+          <a:fillRef idx="1">
+            <a:schemeClr val="lt1"/>
+          </a:fillRef>
+          <a:effectRef idx="0">
+            <a:schemeClr val="dk1"/>
+          </a:effectRef>
+          <a:fontRef idx="minor">
+            <a:schemeClr val="dk1"/>
+          </a:fontRef>
+        </p:style>
+        <p:txBody>
+          <a:bodyPr vert="horz" wrap="square" lIns="91440" tIns="45720" rIns="91440" bIns="45720" numCol="1" rtlCol="0" anchor="t" anchorCtr="0" compatLnSpc="1">
+            <a:prstTxWarp prst="textNoShape">
+              <a:avLst/>
+            </a:prstTxWarp>
+          </a:bodyPr>
+          <a:lstStyle/>
+          <a:p>
+            <a:pPr marL="0" marR="0" indent="0" algn="ctr" defTabSz="914400" rtl="0" eaLnBrk="0" fontAlgn="base" latinLnBrk="0" hangingPunct="0">
+              <a:lnSpc>
+                <a:spcPct val="100000"/>
+              </a:lnSpc>
+              <a:spcBef>
+                <a:spcPct val="0"/>
+              </a:spcBef>
+              <a:spcAft>
+                <a:spcPct val="0"/>
+              </a:spcAft>
+              <a:buClrTx/>
+              <a:buSzTx/>
+              <a:buFontTx/>
+              <a:buNone/>
+              <a:tabLst/>
+            </a:pPr>
+            <a:r>
+              <a:rPr kumimoji="1" lang="en-US" altLang="ja-JP" sz="3200" b="1" i="0" u="none" strike="noStrike" cap="none" normalizeH="0" baseline="0" dirty="0">
+                <a:ln>
+                  <a:noFill/>
+                </a:ln>
+                <a:solidFill>
+                  <a:schemeClr val="tx1"/>
+                </a:solidFill>
+                <a:effectLst/>
+                <a:latin typeface="ＭＳ Ｐゴシック" charset="-128"/>
+                <a:ea typeface="ＭＳ Ｐゴシック" charset="-128"/>
+              </a:rPr>
+              <a:t>e</a:t>
+            </a:r>
+            <a:endParaRPr kumimoji="1" lang="ja-JP" altLang="en-US" sz="3200" b="1" i="0" u="none" strike="noStrike" cap="none" normalizeH="0" baseline="0" dirty="0">
+              <a:ln>
+                <a:noFill/>
+              </a:ln>
+              <a:solidFill>
+                <a:schemeClr val="tx1"/>
+              </a:solidFill>
+              <a:effectLst/>
+              <a:latin typeface="ＭＳ Ｐゴシック" charset="-128"/>
+              <a:ea typeface="ＭＳ Ｐゴシック" charset="-128"/>
+            </a:endParaRPr>
+          </a:p>
+        </p:txBody>
+      </p:sp>
+      <p:sp>
+        <p:nvSpPr>
+          <p:cNvPr id="68" name="四角形: 角を丸くする 67">
+            <a:extLst>
+              <a:ext uri="{FF2B5EF4-FFF2-40B4-BE49-F238E27FC236}">
+                <a16:creationId xmlns:a16="http://schemas.microsoft.com/office/drawing/2014/main" id="{33EF1915-7CEE-4540-BEA6-1DFF8C273F25}"/>
+              </a:ext>
+            </a:extLst>
+          </p:cNvPr>
+          <p:cNvSpPr/>
+          <p:nvPr/>
+        </p:nvSpPr>
+        <p:spPr bwMode="auto">
+          <a:xfrm>
+            <a:off x="5017476" y="8482249"/>
+            <a:ext cx="374215" cy="606134"/>
+          </a:xfrm>
+          <a:prstGeom prst="roundRect">
+            <a:avLst/>
+          </a:prstGeom>
+          <a:noFill/>
+          <a:ln w="38100">
+            <a:solidFill>
+              <a:srgbClr val="00B0F0"/>
+            </a:solidFill>
+            <a:prstDash val="dash"/>
+            <a:headEnd type="none" w="sm" len="sm"/>
+            <a:tailEnd type="none" w="sm" len="sm"/>
+          </a:ln>
+        </p:spPr>
+        <p:style>
+          <a:lnRef idx="2">
+            <a:schemeClr val="dk1"/>
+          </a:lnRef>
+          <a:fillRef idx="1">
+            <a:schemeClr val="lt1"/>
+          </a:fillRef>
+          <a:effectRef idx="0">
+            <a:schemeClr val="dk1"/>
+          </a:effectRef>
+          <a:fontRef idx="minor">
+            <a:schemeClr val="dk1"/>
+          </a:fontRef>
+        </p:style>
+        <p:txBody>
+          <a:bodyPr vert="horz" wrap="square" lIns="91440" tIns="45720" rIns="91440" bIns="45720" numCol="1" rtlCol="0" anchor="t" anchorCtr="0" compatLnSpc="1">
+            <a:prstTxWarp prst="textNoShape">
+              <a:avLst/>
+            </a:prstTxWarp>
+          </a:bodyPr>
+          <a:lstStyle/>
+          <a:p>
+            <a:pPr marL="0" marR="0" indent="0" algn="ctr" defTabSz="914400" rtl="0" eaLnBrk="0" fontAlgn="base" latinLnBrk="0" hangingPunct="0">
+              <a:lnSpc>
+                <a:spcPct val="100000"/>
+              </a:lnSpc>
+              <a:spcBef>
+                <a:spcPct val="0"/>
+              </a:spcBef>
+              <a:spcAft>
+                <a:spcPct val="0"/>
+              </a:spcAft>
+              <a:buClrTx/>
+              <a:buSzTx/>
+              <a:buFontTx/>
+              <a:buNone/>
+              <a:tabLst/>
+            </a:pPr>
+            <a:r>
+              <a:rPr lang="en-US" altLang="ja-JP" sz="3200" b="1" dirty="0">
+                <a:solidFill>
+                  <a:schemeClr val="tx1"/>
+                </a:solidFill>
+                <a:latin typeface="ＭＳ Ｐゴシック" charset="-128"/>
+                <a:ea typeface="ＭＳ Ｐゴシック" charset="-128"/>
+              </a:rPr>
+              <a:t>f</a:t>
+            </a:r>
+            <a:endParaRPr kumimoji="1" lang="ja-JP" altLang="en-US" sz="3200" b="1" i="0" u="none" strike="noStrike" cap="none" normalizeH="0" baseline="0" dirty="0">
+              <a:ln>
+                <a:noFill/>
+              </a:ln>
+              <a:solidFill>
+                <a:schemeClr val="tx1"/>
+              </a:solidFill>
+              <a:effectLst/>
+              <a:latin typeface="ＭＳ Ｐゴシック" charset="-128"/>
+              <a:ea typeface="ＭＳ Ｐゴシック" charset="-128"/>
+            </a:endParaRPr>
+          </a:p>
+        </p:txBody>
+      </p:sp>
+      <p:sp>
+        <p:nvSpPr>
+          <p:cNvPr id="69" name="四角形: 角を丸くする 68">
+            <a:extLst>
+              <a:ext uri="{FF2B5EF4-FFF2-40B4-BE49-F238E27FC236}">
+                <a16:creationId xmlns:a16="http://schemas.microsoft.com/office/drawing/2014/main" id="{78D02244-14A9-4BA0-8565-ECC6379383C9}"/>
+              </a:ext>
+            </a:extLst>
+          </p:cNvPr>
+          <p:cNvSpPr/>
+          <p:nvPr/>
+        </p:nvSpPr>
+        <p:spPr bwMode="auto">
+          <a:xfrm>
+            <a:off x="7972576" y="8495557"/>
+            <a:ext cx="374215" cy="606134"/>
+          </a:xfrm>
+          <a:prstGeom prst="roundRect">
+            <a:avLst/>
+          </a:prstGeom>
+          <a:noFill/>
+          <a:ln w="38100">
+            <a:solidFill>
+              <a:srgbClr val="00B0F0"/>
+            </a:solidFill>
+            <a:prstDash val="dash"/>
+            <a:headEnd type="none" w="sm" len="sm"/>
+            <a:tailEnd type="none" w="sm" len="sm"/>
+          </a:ln>
+        </p:spPr>
+        <p:style>
+          <a:lnRef idx="2">
+            <a:schemeClr val="dk1"/>
+          </a:lnRef>
+          <a:fillRef idx="1">
+            <a:schemeClr val="lt1"/>
+          </a:fillRef>
+          <a:effectRef idx="0">
+            <a:schemeClr val="dk1"/>
+          </a:effectRef>
+          <a:fontRef idx="minor">
+            <a:schemeClr val="dk1"/>
+          </a:fontRef>
+        </p:style>
+        <p:txBody>
+          <a:bodyPr vert="horz" wrap="square" lIns="91440" tIns="45720" rIns="91440" bIns="45720" numCol="1" rtlCol="0" anchor="t" anchorCtr="0" compatLnSpc="1">
+            <a:prstTxWarp prst="textNoShape">
+              <a:avLst/>
+            </a:prstTxWarp>
+          </a:bodyPr>
+          <a:lstStyle/>
+          <a:p>
+            <a:pPr marL="0" marR="0" indent="0" algn="ctr" defTabSz="914400" rtl="0" eaLnBrk="0" fontAlgn="base" latinLnBrk="0" hangingPunct="0">
+              <a:lnSpc>
+                <a:spcPct val="100000"/>
+              </a:lnSpc>
+              <a:spcBef>
+                <a:spcPct val="0"/>
+              </a:spcBef>
+              <a:spcAft>
+                <a:spcPct val="0"/>
+              </a:spcAft>
+              <a:buClrTx/>
+              <a:buSzTx/>
+              <a:buFontTx/>
+              <a:buNone/>
+              <a:tabLst/>
+            </a:pPr>
+            <a:r>
+              <a:rPr kumimoji="1" lang="en-US" altLang="ja-JP" sz="3200" b="1" i="0" u="none" strike="noStrike" cap="none" normalizeH="0" baseline="0" dirty="0">
+                <a:ln>
+                  <a:noFill/>
+                </a:ln>
+                <a:solidFill>
+                  <a:schemeClr val="tx1"/>
+                </a:solidFill>
+                <a:effectLst/>
+                <a:latin typeface="ＭＳ Ｐゴシック" charset="-128"/>
+                <a:ea typeface="ＭＳ Ｐゴシック" charset="-128"/>
+              </a:rPr>
+              <a:t>g</a:t>
+            </a:r>
+            <a:endParaRPr kumimoji="1" lang="ja-JP" altLang="en-US" sz="3200" b="1" i="0" u="none" strike="noStrike" cap="none" normalizeH="0" baseline="0" dirty="0">
+              <a:ln>
+                <a:noFill/>
+              </a:ln>
+              <a:solidFill>
+                <a:schemeClr val="tx1"/>
+              </a:solidFill>
+              <a:effectLst/>
+              <a:latin typeface="ＭＳ Ｐゴシック" charset="-128"/>
+              <a:ea typeface="ＭＳ Ｐゴシック" charset="-128"/>
+            </a:endParaRPr>
+          </a:p>
+        </p:txBody>
+      </p:sp>
+      <p:sp>
+        <p:nvSpPr>
+          <p:cNvPr id="70" name="四角形: 角を丸くする 69">
+            <a:extLst>
+              <a:ext uri="{FF2B5EF4-FFF2-40B4-BE49-F238E27FC236}">
+                <a16:creationId xmlns:a16="http://schemas.microsoft.com/office/drawing/2014/main" id="{316CC2F8-D22C-4AC4-91B9-23F3F7ED9ED9}"/>
+              </a:ext>
+            </a:extLst>
+          </p:cNvPr>
+          <p:cNvSpPr/>
+          <p:nvPr/>
+        </p:nvSpPr>
+        <p:spPr bwMode="auto">
+          <a:xfrm>
+            <a:off x="10817761" y="8518749"/>
+            <a:ext cx="374215" cy="606134"/>
+          </a:xfrm>
+          <a:prstGeom prst="roundRect">
+            <a:avLst/>
+          </a:prstGeom>
+          <a:noFill/>
+          <a:ln w="38100">
+            <a:solidFill>
+              <a:srgbClr val="00B0F0"/>
+            </a:solidFill>
+            <a:prstDash val="dash"/>
+            <a:headEnd type="none" w="sm" len="sm"/>
+            <a:tailEnd type="none" w="sm" len="sm"/>
+          </a:ln>
+        </p:spPr>
+        <p:style>
+          <a:lnRef idx="2">
+            <a:schemeClr val="dk1"/>
+          </a:lnRef>
+          <a:fillRef idx="1">
+            <a:schemeClr val="lt1"/>
+          </a:fillRef>
+          <a:effectRef idx="0">
+            <a:schemeClr val="dk1"/>
+          </a:effectRef>
+          <a:fontRef idx="minor">
+            <a:schemeClr val="dk1"/>
+          </a:fontRef>
+        </p:style>
+        <p:txBody>
+          <a:bodyPr vert="horz" wrap="square" lIns="91440" tIns="45720" rIns="91440" bIns="45720" numCol="1" rtlCol="0" anchor="t" anchorCtr="0" compatLnSpc="1">
+            <a:prstTxWarp prst="textNoShape">
+              <a:avLst/>
+            </a:prstTxWarp>
+          </a:bodyPr>
+          <a:lstStyle/>
+          <a:p>
+            <a:pPr marL="0" marR="0" indent="0" algn="ctr" defTabSz="914400" rtl="0" eaLnBrk="0" fontAlgn="base" latinLnBrk="0" hangingPunct="0">
+              <a:lnSpc>
+                <a:spcPct val="100000"/>
+              </a:lnSpc>
+              <a:spcBef>
+                <a:spcPct val="0"/>
+              </a:spcBef>
+              <a:spcAft>
+                <a:spcPct val="0"/>
+              </a:spcAft>
+              <a:buClrTx/>
+              <a:buSzTx/>
+              <a:buFontTx/>
+              <a:buNone/>
+              <a:tabLst/>
+            </a:pPr>
+            <a:r>
+              <a:rPr lang="en-US" altLang="ja-JP" sz="3200" b="1" dirty="0">
+                <a:solidFill>
+                  <a:schemeClr val="tx1"/>
+                </a:solidFill>
+                <a:latin typeface="ＭＳ Ｐゴシック" charset="-128"/>
+                <a:ea typeface="ＭＳ Ｐゴシック" charset="-128"/>
+              </a:rPr>
+              <a:t>h</a:t>
+            </a:r>
+            <a:endParaRPr kumimoji="1" lang="ja-JP" altLang="en-US" sz="3200" b="1" i="0" u="none" strike="noStrike" cap="none" normalizeH="0" baseline="0" dirty="0">
+              <a:ln>
+                <a:noFill/>
+              </a:ln>
+              <a:solidFill>
+                <a:schemeClr val="tx1"/>
+              </a:solidFill>
+              <a:effectLst/>
+              <a:latin typeface="ＭＳ Ｐゴシック" charset="-128"/>
+              <a:ea typeface="ＭＳ Ｐゴシック" charset="-128"/>
+            </a:endParaRPr>
+          </a:p>
+        </p:txBody>
+      </p:sp>
+      <p:sp>
+        <p:nvSpPr>
+          <p:cNvPr id="71" name="テキスト ボックス 70">
+            <a:extLst>
+              <a:ext uri="{FF2B5EF4-FFF2-40B4-BE49-F238E27FC236}">
+                <a16:creationId xmlns:a16="http://schemas.microsoft.com/office/drawing/2014/main" id="{C409E747-A370-418F-ACC0-42B9D21FF1C5}"/>
+              </a:ext>
+            </a:extLst>
+          </p:cNvPr>
+          <p:cNvSpPr txBox="1"/>
+          <p:nvPr/>
+        </p:nvSpPr>
+        <p:spPr>
+          <a:xfrm>
+            <a:off x="4269338" y="2361000"/>
+            <a:ext cx="588259" cy="523220"/>
+          </a:xfrm>
+          <a:prstGeom prst="rect">
+            <a:avLst/>
+          </a:prstGeom>
+          <a:noFill/>
+        </p:spPr>
+        <p:txBody>
+          <a:bodyPr wrap="square" rtlCol="0">
+            <a:spAutoFit/>
+          </a:bodyPr>
+          <a:lstStyle/>
+          <a:p>
+            <a:r>
+              <a:rPr kumimoji="1" lang="en-US" altLang="ja-JP" sz="2800" b="1" dirty="0"/>
+              <a:t>S1</a:t>
+            </a:r>
+            <a:endParaRPr kumimoji="1" lang="ja-JP" altLang="en-US" sz="2800" b="1" dirty="0"/>
+          </a:p>
+        </p:txBody>
+      </p:sp>
+      <p:sp>
+        <p:nvSpPr>
+          <p:cNvPr id="210" name="テキスト ボックス 209">
+            <a:extLst>
+              <a:ext uri="{FF2B5EF4-FFF2-40B4-BE49-F238E27FC236}">
+                <a16:creationId xmlns:a16="http://schemas.microsoft.com/office/drawing/2014/main" id="{91B64918-CF42-4E5B-ACB4-AC9A0C28E547}"/>
+              </a:ext>
+            </a:extLst>
+          </p:cNvPr>
+          <p:cNvSpPr txBox="1"/>
+          <p:nvPr/>
+        </p:nvSpPr>
+        <p:spPr>
+          <a:xfrm>
+            <a:off x="5059586" y="2906591"/>
+            <a:ext cx="588259" cy="523220"/>
+          </a:xfrm>
+          <a:prstGeom prst="rect">
+            <a:avLst/>
+          </a:prstGeom>
+          <a:noFill/>
+        </p:spPr>
+        <p:txBody>
+          <a:bodyPr wrap="square" rtlCol="0">
+            <a:spAutoFit/>
+          </a:bodyPr>
+          <a:lstStyle/>
+          <a:p>
+            <a:r>
+              <a:rPr kumimoji="1" lang="en-US" altLang="ja-JP" sz="2800" b="1" dirty="0"/>
+              <a:t>S2</a:t>
+            </a:r>
+            <a:endParaRPr kumimoji="1" lang="ja-JP" altLang="en-US" sz="2800" b="1" dirty="0"/>
+          </a:p>
+        </p:txBody>
+      </p:sp>
+      <p:sp>
+        <p:nvSpPr>
+          <p:cNvPr id="211" name="テキスト ボックス 210">
+            <a:extLst>
+              <a:ext uri="{FF2B5EF4-FFF2-40B4-BE49-F238E27FC236}">
+                <a16:creationId xmlns:a16="http://schemas.microsoft.com/office/drawing/2014/main" id="{DF7A1DF1-DA8C-4A6A-A6D8-364D9ACA126A}"/>
+              </a:ext>
+            </a:extLst>
+          </p:cNvPr>
+          <p:cNvSpPr txBox="1"/>
+          <p:nvPr/>
+        </p:nvSpPr>
+        <p:spPr>
+          <a:xfrm>
+            <a:off x="6491022" y="2952687"/>
+            <a:ext cx="588259" cy="523220"/>
+          </a:xfrm>
+          <a:prstGeom prst="rect">
+            <a:avLst/>
+          </a:prstGeom>
+          <a:noFill/>
+        </p:spPr>
+        <p:txBody>
+          <a:bodyPr wrap="square" rtlCol="0">
+            <a:spAutoFit/>
+          </a:bodyPr>
+          <a:lstStyle/>
+          <a:p>
+            <a:r>
+              <a:rPr kumimoji="1" lang="en-US" altLang="ja-JP" sz="2800" b="1" dirty="0"/>
+              <a:t>S3</a:t>
+            </a:r>
+            <a:endParaRPr kumimoji="1" lang="ja-JP" altLang="en-US" sz="2800" b="1" dirty="0"/>
+          </a:p>
+        </p:txBody>
+      </p:sp>
+      <p:sp>
+        <p:nvSpPr>
+          <p:cNvPr id="212" name="テキスト ボックス 211">
+            <a:extLst>
+              <a:ext uri="{FF2B5EF4-FFF2-40B4-BE49-F238E27FC236}">
+                <a16:creationId xmlns:a16="http://schemas.microsoft.com/office/drawing/2014/main" id="{BB9F7A1A-AB60-4760-B924-711C709F1B80}"/>
+              </a:ext>
+            </a:extLst>
+          </p:cNvPr>
+          <p:cNvSpPr txBox="1"/>
+          <p:nvPr/>
+        </p:nvSpPr>
+        <p:spPr>
+          <a:xfrm>
+            <a:off x="7917358" y="2944486"/>
+            <a:ext cx="588259" cy="523220"/>
+          </a:xfrm>
+          <a:prstGeom prst="rect">
+            <a:avLst/>
+          </a:prstGeom>
+          <a:noFill/>
+        </p:spPr>
+        <p:txBody>
+          <a:bodyPr wrap="square" rtlCol="0">
+            <a:spAutoFit/>
+          </a:bodyPr>
+          <a:lstStyle/>
+          <a:p>
+            <a:r>
+              <a:rPr kumimoji="1" lang="en-US" altLang="ja-JP" sz="2800" b="1" dirty="0"/>
+              <a:t>S4</a:t>
+            </a:r>
+            <a:endParaRPr kumimoji="1" lang="ja-JP" altLang="en-US" sz="2800" b="1" dirty="0"/>
+          </a:p>
+        </p:txBody>
+      </p:sp>
+      <p:sp>
+        <p:nvSpPr>
+          <p:cNvPr id="213" name="テキスト ボックス 212">
+            <a:extLst>
+              <a:ext uri="{FF2B5EF4-FFF2-40B4-BE49-F238E27FC236}">
+                <a16:creationId xmlns:a16="http://schemas.microsoft.com/office/drawing/2014/main" id="{78CC9B32-A27E-45ED-B66A-7CA1EB6BEB3A}"/>
+              </a:ext>
+            </a:extLst>
+          </p:cNvPr>
+          <p:cNvSpPr txBox="1"/>
+          <p:nvPr/>
+        </p:nvSpPr>
+        <p:spPr>
+          <a:xfrm>
+            <a:off x="9418822" y="2981740"/>
+            <a:ext cx="588259" cy="523220"/>
+          </a:xfrm>
+          <a:prstGeom prst="rect">
+            <a:avLst/>
+          </a:prstGeom>
+          <a:noFill/>
+        </p:spPr>
+        <p:txBody>
+          <a:bodyPr wrap="square" rtlCol="0">
+            <a:spAutoFit/>
+          </a:bodyPr>
+          <a:lstStyle/>
+          <a:p>
+            <a:r>
+              <a:rPr kumimoji="1" lang="en-US" altLang="ja-JP" sz="2800" b="1" dirty="0"/>
+              <a:t>S5</a:t>
+            </a:r>
+            <a:endParaRPr kumimoji="1" lang="ja-JP" altLang="en-US" sz="2800" b="1" dirty="0"/>
+          </a:p>
+        </p:txBody>
+      </p:sp>
+      <p:sp>
+        <p:nvSpPr>
+          <p:cNvPr id="214" name="テキスト ボックス 213">
+            <a:extLst>
+              <a:ext uri="{FF2B5EF4-FFF2-40B4-BE49-F238E27FC236}">
+                <a16:creationId xmlns:a16="http://schemas.microsoft.com/office/drawing/2014/main" id="{E1B1DB9A-95E2-4AFB-87BD-647DC3AB5573}"/>
+              </a:ext>
+            </a:extLst>
+          </p:cNvPr>
+          <p:cNvSpPr txBox="1"/>
+          <p:nvPr/>
+        </p:nvSpPr>
+        <p:spPr>
+          <a:xfrm>
+            <a:off x="10194540" y="2277704"/>
+            <a:ext cx="588259" cy="523220"/>
+          </a:xfrm>
+          <a:prstGeom prst="rect">
+            <a:avLst/>
+          </a:prstGeom>
+          <a:noFill/>
+        </p:spPr>
+        <p:txBody>
+          <a:bodyPr wrap="square" rtlCol="0">
+            <a:spAutoFit/>
+          </a:bodyPr>
+          <a:lstStyle/>
+          <a:p>
+            <a:r>
+              <a:rPr kumimoji="1" lang="en-US" altLang="ja-JP" sz="2800" b="1" dirty="0"/>
+              <a:t>S6</a:t>
+            </a:r>
+            <a:endParaRPr kumimoji="1" lang="ja-JP" altLang="en-US" sz="2800" b="1" dirty="0"/>
+          </a:p>
+        </p:txBody>
+      </p:sp>
+      <p:sp>
+        <p:nvSpPr>
+          <p:cNvPr id="215" name="テキスト ボックス 214">
+            <a:extLst>
+              <a:ext uri="{FF2B5EF4-FFF2-40B4-BE49-F238E27FC236}">
+                <a16:creationId xmlns:a16="http://schemas.microsoft.com/office/drawing/2014/main" id="{61482C08-B414-47CE-B13B-0044534356EB}"/>
+              </a:ext>
+            </a:extLst>
+          </p:cNvPr>
+          <p:cNvSpPr txBox="1"/>
+          <p:nvPr/>
+        </p:nvSpPr>
+        <p:spPr>
+          <a:xfrm>
+            <a:off x="4161791" y="5848473"/>
+            <a:ext cx="588259" cy="523220"/>
+          </a:xfrm>
+          <a:prstGeom prst="rect">
+            <a:avLst/>
+          </a:prstGeom>
+          <a:noFill/>
+        </p:spPr>
+        <p:txBody>
+          <a:bodyPr wrap="square" rtlCol="0">
+            <a:spAutoFit/>
+          </a:bodyPr>
+          <a:lstStyle/>
+          <a:p>
+            <a:r>
+              <a:rPr kumimoji="1" lang="en-US" altLang="ja-JP" sz="2800" b="1" dirty="0"/>
+              <a:t>S7</a:t>
+            </a:r>
+            <a:endParaRPr kumimoji="1" lang="ja-JP" altLang="en-US" sz="2800" b="1" dirty="0"/>
+          </a:p>
+        </p:txBody>
+      </p:sp>
+      <p:sp>
+        <p:nvSpPr>
+          <p:cNvPr id="216" name="テキスト ボックス 215">
+            <a:extLst>
+              <a:ext uri="{FF2B5EF4-FFF2-40B4-BE49-F238E27FC236}">
+                <a16:creationId xmlns:a16="http://schemas.microsoft.com/office/drawing/2014/main" id="{22F91555-E328-47E3-9B7C-E9E75DA25BB9}"/>
+              </a:ext>
+            </a:extLst>
+          </p:cNvPr>
+          <p:cNvSpPr txBox="1"/>
+          <p:nvPr/>
+        </p:nvSpPr>
+        <p:spPr>
+          <a:xfrm>
+            <a:off x="5068745" y="7177418"/>
+            <a:ext cx="588259" cy="523220"/>
+          </a:xfrm>
+          <a:prstGeom prst="rect">
+            <a:avLst/>
+          </a:prstGeom>
+          <a:noFill/>
+        </p:spPr>
+        <p:txBody>
+          <a:bodyPr wrap="square" rtlCol="0">
+            <a:spAutoFit/>
+          </a:bodyPr>
+          <a:lstStyle/>
+          <a:p>
+            <a:r>
+              <a:rPr kumimoji="1" lang="en-US" altLang="ja-JP" sz="2800" b="1" dirty="0"/>
+              <a:t>S8</a:t>
+            </a:r>
+            <a:endParaRPr kumimoji="1" lang="ja-JP" altLang="en-US" sz="2800" b="1" dirty="0"/>
+          </a:p>
+        </p:txBody>
+      </p:sp>
+      <p:sp>
+        <p:nvSpPr>
+          <p:cNvPr id="217" name="テキスト ボックス 216">
+            <a:extLst>
+              <a:ext uri="{FF2B5EF4-FFF2-40B4-BE49-F238E27FC236}">
+                <a16:creationId xmlns:a16="http://schemas.microsoft.com/office/drawing/2014/main" id="{915A2248-DFB4-4B5A-9055-577B4763BDB8}"/>
+              </a:ext>
+            </a:extLst>
+          </p:cNvPr>
+          <p:cNvSpPr txBox="1"/>
+          <p:nvPr/>
+        </p:nvSpPr>
+        <p:spPr>
+          <a:xfrm>
+            <a:off x="6513266" y="7150602"/>
+            <a:ext cx="588259" cy="523220"/>
+          </a:xfrm>
+          <a:prstGeom prst="rect">
+            <a:avLst/>
+          </a:prstGeom>
+          <a:noFill/>
+        </p:spPr>
+        <p:txBody>
+          <a:bodyPr wrap="square" rtlCol="0">
+            <a:spAutoFit/>
+          </a:bodyPr>
+          <a:lstStyle/>
+          <a:p>
+            <a:r>
+              <a:rPr kumimoji="1" lang="en-US" altLang="ja-JP" sz="2800" b="1" dirty="0"/>
+              <a:t>S9</a:t>
+            </a:r>
+            <a:endParaRPr kumimoji="1" lang="ja-JP" altLang="en-US" sz="2800" b="1" dirty="0"/>
+          </a:p>
+        </p:txBody>
+      </p:sp>
+      <p:sp>
+        <p:nvSpPr>
+          <p:cNvPr id="218" name="テキスト ボックス 217">
+            <a:extLst>
+              <a:ext uri="{FF2B5EF4-FFF2-40B4-BE49-F238E27FC236}">
+                <a16:creationId xmlns:a16="http://schemas.microsoft.com/office/drawing/2014/main" id="{E3BF25F8-E571-4461-896C-6D58E4DE5813}"/>
+              </a:ext>
+            </a:extLst>
+          </p:cNvPr>
+          <p:cNvSpPr txBox="1"/>
+          <p:nvPr/>
+        </p:nvSpPr>
+        <p:spPr>
+          <a:xfrm>
+            <a:off x="7897484" y="7203636"/>
+            <a:ext cx="948353" cy="523220"/>
+          </a:xfrm>
+          <a:prstGeom prst="rect">
+            <a:avLst/>
+          </a:prstGeom>
+          <a:noFill/>
+        </p:spPr>
+        <p:txBody>
+          <a:bodyPr wrap="square" rtlCol="0">
+            <a:spAutoFit/>
+          </a:bodyPr>
+          <a:lstStyle/>
+          <a:p>
+            <a:r>
+              <a:rPr kumimoji="1" lang="en-US" altLang="ja-JP" sz="2800" b="1" dirty="0"/>
+              <a:t>S10</a:t>
+            </a:r>
+            <a:endParaRPr kumimoji="1" lang="ja-JP" altLang="en-US" sz="2800" b="1" dirty="0"/>
+          </a:p>
+        </p:txBody>
+      </p:sp>
+      <p:sp>
+        <p:nvSpPr>
+          <p:cNvPr id="219" name="テキスト ボックス 218">
+            <a:extLst>
+              <a:ext uri="{FF2B5EF4-FFF2-40B4-BE49-F238E27FC236}">
+                <a16:creationId xmlns:a16="http://schemas.microsoft.com/office/drawing/2014/main" id="{653D89CF-C570-49AB-AE0B-4A8E9D3DF829}"/>
+              </a:ext>
+            </a:extLst>
+          </p:cNvPr>
+          <p:cNvSpPr txBox="1"/>
+          <p:nvPr/>
+        </p:nvSpPr>
+        <p:spPr>
+          <a:xfrm>
+            <a:off x="9342082" y="7177418"/>
+            <a:ext cx="846672" cy="523220"/>
+          </a:xfrm>
+          <a:prstGeom prst="rect">
+            <a:avLst/>
+          </a:prstGeom>
+          <a:noFill/>
+        </p:spPr>
+        <p:txBody>
+          <a:bodyPr wrap="square" rtlCol="0">
+            <a:spAutoFit/>
+          </a:bodyPr>
+          <a:lstStyle/>
+          <a:p>
+            <a:r>
+              <a:rPr kumimoji="1" lang="en-US" altLang="ja-JP" sz="2800" b="1" dirty="0"/>
+              <a:t>S11</a:t>
+            </a:r>
+            <a:endParaRPr kumimoji="1" lang="ja-JP" altLang="en-US" sz="2800" b="1" dirty="0"/>
+          </a:p>
+        </p:txBody>
+      </p:sp>
+      <p:sp>
+        <p:nvSpPr>
+          <p:cNvPr id="220" name="テキスト ボックス 219">
+            <a:extLst>
+              <a:ext uri="{FF2B5EF4-FFF2-40B4-BE49-F238E27FC236}">
+                <a16:creationId xmlns:a16="http://schemas.microsoft.com/office/drawing/2014/main" id="{0D4A1EF4-4846-43B5-B817-6B121D392664}"/>
+              </a:ext>
+            </a:extLst>
+          </p:cNvPr>
+          <p:cNvSpPr txBox="1"/>
+          <p:nvPr/>
+        </p:nvSpPr>
+        <p:spPr>
+          <a:xfrm>
+            <a:off x="10350195" y="5879870"/>
+            <a:ext cx="1025099" cy="523220"/>
+          </a:xfrm>
+          <a:prstGeom prst="rect">
+            <a:avLst/>
+          </a:prstGeom>
+          <a:noFill/>
+        </p:spPr>
+        <p:txBody>
+          <a:bodyPr wrap="square" rtlCol="0">
+            <a:spAutoFit/>
+          </a:bodyPr>
+          <a:lstStyle/>
+          <a:p>
+            <a:r>
+              <a:rPr kumimoji="1" lang="en-US" altLang="ja-JP" sz="2800" b="1" dirty="0"/>
+              <a:t>S12</a:t>
+            </a:r>
+            <a:endParaRPr kumimoji="1" lang="ja-JP" altLang="en-US" sz="2800" b="1" dirty="0"/>
+          </a:p>
+        </p:txBody>
+      </p:sp>
+      <p:sp>
+        <p:nvSpPr>
+          <p:cNvPr id="221" name="テキスト ボックス 220">
+            <a:extLst>
+              <a:ext uri="{FF2B5EF4-FFF2-40B4-BE49-F238E27FC236}">
+                <a16:creationId xmlns:a16="http://schemas.microsoft.com/office/drawing/2014/main" id="{C2560B9E-0638-4ED7-9694-4E2293166F26}"/>
+              </a:ext>
+            </a:extLst>
+          </p:cNvPr>
+          <p:cNvSpPr txBox="1"/>
+          <p:nvPr/>
+        </p:nvSpPr>
+        <p:spPr>
+          <a:xfrm>
+            <a:off x="4181833" y="8160315"/>
+            <a:ext cx="955398" cy="523220"/>
+          </a:xfrm>
+          <a:prstGeom prst="rect">
+            <a:avLst/>
+          </a:prstGeom>
+          <a:noFill/>
+        </p:spPr>
+        <p:txBody>
+          <a:bodyPr wrap="square" rtlCol="0">
+            <a:spAutoFit/>
+          </a:bodyPr>
+          <a:lstStyle/>
+          <a:p>
+            <a:r>
+              <a:rPr kumimoji="1" lang="en-US" altLang="ja-JP" sz="2800" b="1" dirty="0"/>
+              <a:t>S13</a:t>
+            </a:r>
+            <a:endParaRPr kumimoji="1" lang="ja-JP" altLang="en-US" sz="2800" b="1" dirty="0"/>
+          </a:p>
+        </p:txBody>
+      </p:sp>
+      <p:sp>
+        <p:nvSpPr>
+          <p:cNvPr id="222" name="テキスト ボックス 221">
+            <a:extLst>
+              <a:ext uri="{FF2B5EF4-FFF2-40B4-BE49-F238E27FC236}">
+                <a16:creationId xmlns:a16="http://schemas.microsoft.com/office/drawing/2014/main" id="{36C5C4A9-B384-4ED0-8174-FEC31EC1A52D}"/>
+              </a:ext>
+            </a:extLst>
+          </p:cNvPr>
+          <p:cNvSpPr txBox="1"/>
+          <p:nvPr/>
+        </p:nvSpPr>
+        <p:spPr>
+          <a:xfrm>
+            <a:off x="10188754" y="8213364"/>
+            <a:ext cx="921354" cy="523220"/>
+          </a:xfrm>
+          <a:prstGeom prst="rect">
+            <a:avLst/>
+          </a:prstGeom>
+          <a:noFill/>
+        </p:spPr>
+        <p:txBody>
+          <a:bodyPr wrap="square" rtlCol="0">
+            <a:spAutoFit/>
+          </a:bodyPr>
+          <a:lstStyle/>
+          <a:p>
+            <a:r>
+              <a:rPr kumimoji="1" lang="en-US" altLang="ja-JP" sz="2800" b="1" dirty="0"/>
+              <a:t>S14</a:t>
+            </a:r>
+            <a:endParaRPr kumimoji="1" lang="ja-JP" altLang="en-US" sz="2800" b="1" dirty="0"/>
+          </a:p>
+        </p:txBody>
+      </p:sp>
+    </p:spTree>
+    <p:extLst>
+      <p:ext uri="{BB962C8B-B14F-4D97-AF65-F5344CB8AC3E}">
+        <p14:creationId xmlns:p14="http://schemas.microsoft.com/office/powerpoint/2010/main" val="212893482"/>
+      </p:ext>
+    </p:extLst>
+  </p:cSld>
+  <p:clrMapOvr>
+    <a:masterClrMapping/>
+  </p:clrMapOvr>
+</p:sld>
+</file>
+
+<file path=ppt/slides/slide7.xml><?xml version="1.0" encoding="utf-8"?>
+<p:sld xmlns:a="http://schemas.openxmlformats.org/drawingml/2006/main" xmlns:r="http://schemas.openxmlformats.org/officeDocument/2006/relationships" xmlns:p="http://schemas.openxmlformats.org/presentationml/2006/main">
+  <p:cSld>
+    <p:spTree>
+      <p:nvGrpSpPr>
+        <p:cNvPr id="1" name=""/>
+        <p:cNvGrpSpPr/>
+        <p:nvPr/>
+      </p:nvGrpSpPr>
+      <p:grpSpPr>
+        <a:xfrm>
+          <a:off x="0" y="0"/>
+          <a:ext cx="0" cy="0"/>
+          <a:chOff x="0" y="0"/>
+          <a:chExt cx="0" cy="0"/>
+        </a:xfrm>
+      </p:grpSpPr>
+      <p:sp>
+        <p:nvSpPr>
+          <p:cNvPr id="2" name="四角形: 角を丸くする 1">
+            <a:extLst>
+              <a:ext uri="{FF2B5EF4-FFF2-40B4-BE49-F238E27FC236}">
+                <a16:creationId xmlns:a16="http://schemas.microsoft.com/office/drawing/2014/main" id="{3849DBFA-0760-49CE-A5A7-F19DBC55F4BF}"/>
+              </a:ext>
+            </a:extLst>
+          </p:cNvPr>
+          <p:cNvSpPr/>
+          <p:nvPr/>
+        </p:nvSpPr>
+        <p:spPr bwMode="auto">
+          <a:xfrm>
+            <a:off x="5292055" y="2280641"/>
+            <a:ext cx="3600400" cy="792089"/>
+          </a:xfrm>
+          <a:prstGeom prst="roundRect">
+            <a:avLst/>
+          </a:prstGeom>
+          <a:solidFill>
+            <a:schemeClr val="bg1"/>
+          </a:solidFill>
+          <a:ln w="12700" cap="flat" cmpd="sng" algn="ctr">
+            <a:solidFill>
+              <a:schemeClr val="tx1"/>
+            </a:solidFill>
+            <a:prstDash val="solid"/>
+            <a:round/>
+            <a:headEnd type="none" w="sm" len="sm"/>
+            <a:tailEnd type="none" w="sm" len="sm"/>
+          </a:ln>
+          <a:effectLst/>
+        </p:spPr>
+        <p:txBody>
+          <a:bodyPr vert="horz" wrap="square" lIns="91440" tIns="45720" rIns="91440" bIns="45720" numCol="1" rtlCol="0" anchor="ctr" anchorCtr="0" compatLnSpc="1">
+            <a:prstTxWarp prst="textNoShape">
+              <a:avLst/>
+            </a:prstTxWarp>
+          </a:bodyPr>
+          <a:lstStyle/>
+          <a:p>
+            <a:pPr marL="0" marR="0" indent="0" algn="l" defTabSz="914400" rtl="0" eaLnBrk="0" fontAlgn="base" latinLnBrk="0" hangingPunct="0">
+              <a:lnSpc>
+                <a:spcPct val="100000"/>
+              </a:lnSpc>
+              <a:spcBef>
+                <a:spcPct val="0"/>
+              </a:spcBef>
+              <a:spcAft>
+                <a:spcPct val="0"/>
+              </a:spcAft>
+              <a:buClrTx/>
+              <a:buSzTx/>
+              <a:buFontTx/>
+              <a:buNone/>
+              <a:tabLst/>
+            </a:pPr>
+            <a:r>
+              <a:rPr kumimoji="1" lang="en-US" altLang="ja-JP" sz="1200" b="0" i="0" u="none" strike="noStrike" cap="none" normalizeH="0" baseline="0" dirty="0">
+                <a:ln>
+                  <a:noFill/>
+                </a:ln>
+                <a:solidFill>
+                  <a:schemeClr val="tx1"/>
+                </a:solidFill>
+                <a:effectLst/>
+                <a:latin typeface="ＭＳ Ｐゴシック" charset="-128"/>
+                <a:ea typeface="ＭＳ Ｐゴシック" charset="-128"/>
+              </a:rPr>
+              <a:t>    </a:t>
+            </a:r>
+            <a:r>
+              <a:rPr kumimoji="1" lang="en-US" altLang="ja-JP" sz="2400" b="0" i="0" u="none" strike="noStrike" cap="none" normalizeH="0" baseline="0" dirty="0">
+                <a:ln>
+                  <a:noFill/>
+                </a:ln>
+                <a:solidFill>
+                  <a:schemeClr val="tx1"/>
+                </a:solidFill>
+                <a:effectLst/>
+                <a:latin typeface="ＭＳ Ｐゴシック" charset="-128"/>
+                <a:ea typeface="ＭＳ Ｐゴシック" charset="-128"/>
+              </a:rPr>
+              <a:t>     </a:t>
+            </a:r>
+            <a:r>
+              <a:rPr lang="ja-JP" altLang="en-US" sz="2400" dirty="0">
+                <a:latin typeface="ＭＳ Ｐゴシック" charset="-128"/>
+                <a:ea typeface="ＭＳ Ｐゴシック" charset="-128"/>
+              </a:rPr>
+              <a:t>人感・照度センサー</a:t>
+            </a:r>
+            <a:endParaRPr kumimoji="1" lang="ja-JP" altLang="en-US" sz="1200" b="0" i="0" u="none" strike="noStrike" cap="none" normalizeH="0" baseline="0" dirty="0">
+              <a:ln>
+                <a:noFill/>
+              </a:ln>
+              <a:solidFill>
+                <a:schemeClr val="tx1"/>
+              </a:solidFill>
+              <a:effectLst/>
+              <a:latin typeface="ＭＳ Ｐゴシック" charset="-128"/>
+              <a:ea typeface="ＭＳ Ｐゴシック" charset="-128"/>
+            </a:endParaRPr>
+          </a:p>
+        </p:txBody>
+      </p:sp>
+      <p:sp>
+        <p:nvSpPr>
+          <p:cNvPr id="4" name="正方形/長方形 3">
+            <a:extLst>
+              <a:ext uri="{FF2B5EF4-FFF2-40B4-BE49-F238E27FC236}">
+                <a16:creationId xmlns:a16="http://schemas.microsoft.com/office/drawing/2014/main" id="{33B177F6-4045-4891-B022-C509AAD4EAC3}"/>
+              </a:ext>
+            </a:extLst>
+          </p:cNvPr>
+          <p:cNvSpPr/>
+          <p:nvPr/>
+        </p:nvSpPr>
+        <p:spPr bwMode="auto">
+          <a:xfrm>
+            <a:off x="5796111" y="2559062"/>
+            <a:ext cx="144016" cy="307253"/>
+          </a:xfrm>
+          <a:prstGeom prst="rect">
+            <a:avLst/>
+          </a:prstGeom>
+          <a:solidFill>
+            <a:srgbClr val="92D050"/>
+          </a:solidFill>
+          <a:ln w="12700" cap="flat" cmpd="sng" algn="ctr">
+            <a:solidFill>
+              <a:schemeClr val="tx1"/>
+            </a:solidFill>
+            <a:prstDash val="solid"/>
+            <a:round/>
+            <a:headEnd type="none" w="sm" len="sm"/>
+            <a:tailEnd type="none" w="sm" len="sm"/>
+          </a:ln>
+          <a:effectLst/>
+        </p:spPr>
+        <p:txBody>
+          <a:bodyPr vert="horz" wrap="square" lIns="91440" tIns="45720" rIns="91440" bIns="45720" numCol="1" rtlCol="0" anchor="t" anchorCtr="0" compatLnSpc="1">
+            <a:prstTxWarp prst="textNoShape">
+              <a:avLst/>
+            </a:prstTxWarp>
+          </a:bodyPr>
+          <a:lstStyle/>
+          <a:p>
+            <a:pPr marL="0" marR="0" indent="0" algn="l" defTabSz="914400" rtl="0" eaLnBrk="0" fontAlgn="base" latinLnBrk="0" hangingPunct="0">
+              <a:lnSpc>
+                <a:spcPct val="100000"/>
+              </a:lnSpc>
+              <a:spcBef>
+                <a:spcPct val="0"/>
+              </a:spcBef>
+              <a:spcAft>
+                <a:spcPct val="0"/>
+              </a:spcAft>
+              <a:buClrTx/>
+              <a:buSzTx/>
+              <a:buFontTx/>
+              <a:buNone/>
+              <a:tabLst/>
+            </a:pPr>
+            <a:endParaRPr kumimoji="1" lang="ja-JP" altLang="en-US" sz="1200" b="0" i="0" u="none" strike="noStrike" cap="none" normalizeH="0" baseline="0">
+              <a:ln>
+                <a:noFill/>
+              </a:ln>
+              <a:solidFill>
+                <a:schemeClr val="tx1"/>
+              </a:solidFill>
+              <a:effectLst/>
+              <a:latin typeface="ＭＳ Ｐゴシック" charset="-128"/>
+              <a:ea typeface="ＭＳ Ｐゴシック" charset="-128"/>
+            </a:endParaRPr>
+          </a:p>
+        </p:txBody>
+      </p:sp>
+    </p:spTree>
+    <p:extLst>
+      <p:ext uri="{BB962C8B-B14F-4D97-AF65-F5344CB8AC3E}">
+        <p14:creationId xmlns:p14="http://schemas.microsoft.com/office/powerpoint/2010/main" val="1621279571"/>
       </p:ext>
     </p:extLst>
   </p:cSld>
